--- a/宣道詩/(宣道詩2)聖哉三一.pptx
+++ b/宣道詩/(宣道詩2)聖哉三一.pptx
@@ -5,10 +5,15 @@
     <p:sldMasterId id="2147483672" r:id="rId1"/>
   </p:sldMasterIdLst>
   <p:sldIdLst>
-    <p:sldId id="256" r:id="rId2"/>
-    <p:sldId id="258" r:id="rId3"/>
-    <p:sldId id="260" r:id="rId4"/>
-    <p:sldId id="262" r:id="rId5"/>
+    <p:sldId id="263" r:id="rId2"/>
+    <p:sldId id="264" r:id="rId3"/>
+    <p:sldId id="265" r:id="rId4"/>
+    <p:sldId id="266" r:id="rId5"/>
+    <p:sldId id="267" r:id="rId6"/>
+    <p:sldId id="268" r:id="rId7"/>
+    <p:sldId id="269" r:id="rId8"/>
+    <p:sldId id="270" r:id="rId9"/>
+    <p:sldId id="271" r:id="rId10"/>
   </p:sldIdLst>
   <p:sldSz cx="9144000" cy="5143500" type="screen16x9"/>
   <p:notesSz cx="6858000" cy="9144000"/>
@@ -107,6 +112,22 @@
       </a:defRPr>
     </a:lvl9pPr>
   </p:defaultTextStyle>
+  <p:extLst>
+    <p:ext uri="{EFAFB233-063F-42B5-8137-9DF3F51BA10A}">
+      <p15:sldGuideLst xmlns:p15="http://schemas.microsoft.com/office/powerpoint/2012/main">
+        <p15:guide id="1" orient="horz" pos="1620">
+          <p15:clr>
+            <a:srgbClr val="A4A3A4"/>
+          </p15:clr>
+        </p15:guide>
+        <p15:guide id="2" pos="2880">
+          <p15:clr>
+            <a:srgbClr val="A4A3A4"/>
+          </p15:clr>
+        </p15:guide>
+      </p15:sldGuideLst>
+    </p:ext>
+  </p:extLst>
 </p:presentation>
 </file>
 
@@ -292,7 +313,7 @@
             <a:fld id="{4A963B18-8CE0-498D-8805-C7189D3CCDF2}" type="datetimeFigureOut">
               <a:rPr lang="zh-TW" altLang="en-US" smtClean="0"/>
               <a:pPr/>
-              <a:t>2019/8/31</a:t>
+              <a:t>2021/6/24</a:t>
             </a:fld>
             <a:endParaRPr lang="zh-TW" altLang="en-US"/>
           </a:p>
@@ -459,7 +480,7 @@
             <a:fld id="{4A963B18-8CE0-498D-8805-C7189D3CCDF2}" type="datetimeFigureOut">
               <a:rPr lang="zh-TW" altLang="en-US" smtClean="0"/>
               <a:pPr/>
-              <a:t>2019/8/31</a:t>
+              <a:t>2021/6/24</a:t>
             </a:fld>
             <a:endParaRPr lang="zh-TW" altLang="en-US"/>
           </a:p>
@@ -636,7 +657,7 @@
             <a:fld id="{4A963B18-8CE0-498D-8805-C7189D3CCDF2}" type="datetimeFigureOut">
               <a:rPr lang="zh-TW" altLang="en-US" smtClean="0"/>
               <a:pPr/>
-              <a:t>2019/8/31</a:t>
+              <a:t>2021/6/24</a:t>
             </a:fld>
             <a:endParaRPr lang="zh-TW" altLang="en-US"/>
           </a:p>
@@ -803,7 +824,7 @@
             <a:fld id="{4A963B18-8CE0-498D-8805-C7189D3CCDF2}" type="datetimeFigureOut">
               <a:rPr lang="zh-TW" altLang="en-US" smtClean="0"/>
               <a:pPr/>
-              <a:t>2019/8/31</a:t>
+              <a:t>2021/6/24</a:t>
             </a:fld>
             <a:endParaRPr lang="zh-TW" altLang="en-US"/>
           </a:p>
@@ -1046,7 +1067,7 @@
             <a:fld id="{4A963B18-8CE0-498D-8805-C7189D3CCDF2}" type="datetimeFigureOut">
               <a:rPr lang="zh-TW" altLang="en-US" smtClean="0"/>
               <a:pPr/>
-              <a:t>2019/8/31</a:t>
+              <a:t>2021/6/24</a:t>
             </a:fld>
             <a:endParaRPr lang="zh-TW" altLang="en-US"/>
           </a:p>
@@ -1331,7 +1352,7 @@
             <a:fld id="{4A963B18-8CE0-498D-8805-C7189D3CCDF2}" type="datetimeFigureOut">
               <a:rPr lang="zh-TW" altLang="en-US" smtClean="0"/>
               <a:pPr/>
-              <a:t>2019/8/31</a:t>
+              <a:t>2021/6/24</a:t>
             </a:fld>
             <a:endParaRPr lang="zh-TW" altLang="en-US"/>
           </a:p>
@@ -1750,7 +1771,7 @@
             <a:fld id="{4A963B18-8CE0-498D-8805-C7189D3CCDF2}" type="datetimeFigureOut">
               <a:rPr lang="zh-TW" altLang="en-US" smtClean="0"/>
               <a:pPr/>
-              <a:t>2019/8/31</a:t>
+              <a:t>2021/6/24</a:t>
             </a:fld>
             <a:endParaRPr lang="zh-TW" altLang="en-US"/>
           </a:p>
@@ -1865,7 +1886,7 @@
             <a:fld id="{4A963B18-8CE0-498D-8805-C7189D3CCDF2}" type="datetimeFigureOut">
               <a:rPr lang="zh-TW" altLang="en-US" smtClean="0"/>
               <a:pPr/>
-              <a:t>2019/8/31</a:t>
+              <a:t>2021/6/24</a:t>
             </a:fld>
             <a:endParaRPr lang="zh-TW" altLang="en-US"/>
           </a:p>
@@ -1957,7 +1978,7 @@
             <a:fld id="{4A963B18-8CE0-498D-8805-C7189D3CCDF2}" type="datetimeFigureOut">
               <a:rPr lang="zh-TW" altLang="en-US" smtClean="0"/>
               <a:pPr/>
-              <a:t>2019/8/31</a:t>
+              <a:t>2021/6/24</a:t>
             </a:fld>
             <a:endParaRPr lang="zh-TW" altLang="en-US"/>
           </a:p>
@@ -2231,7 +2252,7 @@
             <a:fld id="{4A963B18-8CE0-498D-8805-C7189D3CCDF2}" type="datetimeFigureOut">
               <a:rPr lang="zh-TW" altLang="en-US" smtClean="0"/>
               <a:pPr/>
-              <a:t>2019/8/31</a:t>
+              <a:t>2021/6/24</a:t>
             </a:fld>
             <a:endParaRPr lang="zh-TW" altLang="en-US"/>
           </a:p>
@@ -2485,7 +2506,7 @@
             <a:fld id="{4A963B18-8CE0-498D-8805-C7189D3CCDF2}" type="datetimeFigureOut">
               <a:rPr lang="zh-TW" altLang="en-US" smtClean="0"/>
               <a:pPr/>
-              <a:t>2019/8/31</a:t>
+              <a:t>2021/6/24</a:t>
             </a:fld>
             <a:endParaRPr lang="zh-TW" altLang="en-US"/>
           </a:p>
@@ -2700,7 +2721,7 @@
             <a:fld id="{4A963B18-8CE0-498D-8805-C7189D3CCDF2}" type="datetimeFigureOut">
               <a:rPr lang="zh-TW" altLang="en-US" smtClean="0"/>
               <a:pPr/>
-              <a:t>2019/8/31</a:t>
+              <a:t>2021/6/24</a:t>
             </a:fld>
             <a:endParaRPr lang="zh-TW" altLang="en-US"/>
           </a:p>
@@ -3073,7 +3094,7 @@
       </p:grpSpPr>
       <p:sp>
         <p:nvSpPr>
-          <p:cNvPr id="2" name="標題 1"/>
+          <p:cNvPr id="4" name="標題 3"/>
           <p:cNvSpPr>
             <a:spLocks noGrp="1"/>
           </p:cNvSpPr>
@@ -3081,309 +3102,153 @@
             <p:ph type="title"/>
           </p:nvPr>
         </p:nvSpPr>
-        <p:spPr/>
+        <p:spPr>
+          <a:xfrm>
+            <a:off x="0" y="1995686"/>
+            <a:ext cx="9144000" cy="857250"/>
+          </a:xfrm>
+        </p:spPr>
         <p:txBody>
           <a:bodyPr>
-            <a:normAutofit/>
+            <a:noAutofit/>
           </a:bodyPr>
           <a:lstStyle/>
           <a:p>
             <a:r>
-              <a:rPr lang="zh-CN" altLang="en-US" sz="4000" b="1" dirty="0" smtClean="0">
+              <a:rPr lang="zh-CN" altLang="en-US" sz="4000" b="1" u="sng" dirty="0">
                 <a:solidFill>
                   <a:srgbClr val="000066"/>
                 </a:solidFill>
+                <a:effectLst>
+                  <a:outerShdw blurRad="38100" dist="38100" dir="2700000" algn="tl">
+                    <a:srgbClr val="000000">
+                      <a:alpha val="43137"/>
+                    </a:srgbClr>
+                  </a:outerShdw>
+                </a:effectLst>
                 <a:latin typeface="微軟正黑體" pitchFamily="34" charset="-120"/>
                 <a:ea typeface="微軟正黑體" pitchFamily="34" charset="-120"/>
               </a:rPr>
-              <a:t>聖哉三一</a:t>
-            </a:r>
-            <a:endParaRPr lang="zh-TW" altLang="en-US" sz="4000" b="1" dirty="0">
+              <a:t>宣道詩 </a:t>
+            </a:r>
+            <a:r>
+              <a:rPr lang="en-US" altLang="zh-CN" sz="4000" b="1" u="sng" dirty="0">
+                <a:solidFill>
+                  <a:srgbClr val="000066"/>
+                </a:solidFill>
+                <a:effectLst>
+                  <a:outerShdw blurRad="38100" dist="38100" dir="2700000" algn="tl">
+                    <a:srgbClr val="000000">
+                      <a:alpha val="43137"/>
+                    </a:srgbClr>
+                  </a:outerShdw>
+                </a:effectLst>
+                <a:latin typeface="微軟正黑體" pitchFamily="34" charset="-120"/>
+                <a:ea typeface="微軟正黑體" pitchFamily="34" charset="-120"/>
+              </a:rPr>
+              <a:t>2</a:t>
+            </a:r>
+            <a:r>
+              <a:rPr lang="en-US" altLang="zh-CN" sz="5400" b="1" i="1" dirty="0">
+                <a:solidFill>
+                  <a:srgbClr val="660033"/>
+                </a:solidFill>
+                <a:effectLst>
+                  <a:outerShdw blurRad="38100" dist="38100" dir="2700000" algn="tl">
+                    <a:srgbClr val="000000">
+                      <a:alpha val="43137"/>
+                    </a:srgbClr>
+                  </a:outerShdw>
+                </a:effectLst>
+                <a:latin typeface="微軟正黑體" pitchFamily="34" charset="-120"/>
+                <a:ea typeface="微軟正黑體" pitchFamily="34" charset="-120"/>
+              </a:rPr>
+              <a:t/>
+            </a:r>
+            <a:br>
+              <a:rPr lang="en-US" altLang="zh-CN" sz="5400" b="1" i="1" dirty="0">
+                <a:solidFill>
+                  <a:srgbClr val="660033"/>
+                </a:solidFill>
+                <a:effectLst>
+                  <a:outerShdw blurRad="38100" dist="38100" dir="2700000" algn="tl">
+                    <a:srgbClr val="000000">
+                      <a:alpha val="43137"/>
+                    </a:srgbClr>
+                  </a:outerShdw>
+                </a:effectLst>
+                <a:latin typeface="微軟正黑體" pitchFamily="34" charset="-120"/>
+                <a:ea typeface="微軟正黑體" pitchFamily="34" charset="-120"/>
+              </a:rPr>
+            </a:br>
+            <a:r>
+              <a:rPr lang="zh-CN" altLang="en-US" sz="6000" b="1" dirty="0">
+                <a:solidFill>
+                  <a:srgbClr val="660033"/>
+                </a:solidFill>
+                <a:effectLst>
+                  <a:outerShdw blurRad="38100" dist="38100" dir="2700000" algn="tl">
+                    <a:srgbClr val="000000">
+                      <a:alpha val="43137"/>
+                    </a:srgbClr>
+                  </a:outerShdw>
+                </a:effectLst>
+                <a:latin typeface="微軟正黑體" pitchFamily="34" charset="-120"/>
+                <a:ea typeface="微軟正黑體" pitchFamily="34" charset="-120"/>
+              </a:rPr>
+              <a:t>聖</a:t>
+            </a:r>
+            <a:r>
+              <a:rPr lang="zh-CN" altLang="en-US" sz="6000" b="1" dirty="0">
+                <a:solidFill>
+                  <a:srgbClr val="660033"/>
+                </a:solidFill>
+                <a:effectLst>
+                  <a:outerShdw blurRad="38100" dist="38100" dir="2700000" algn="tl">
+                    <a:srgbClr val="000000">
+                      <a:alpha val="43137"/>
+                    </a:srgbClr>
+                  </a:outerShdw>
+                </a:effectLst>
+                <a:latin typeface="微軟正黑體" pitchFamily="34" charset="-120"/>
+                <a:ea typeface="微軟正黑體" pitchFamily="34" charset="-120"/>
+              </a:rPr>
+              <a:t>哉三一</a:t>
+            </a:r>
+            <a:endParaRPr lang="zh-TW" altLang="en-US" sz="6000" b="1" dirty="0">
               <a:solidFill>
-                <a:srgbClr val="000066"/>
+                <a:srgbClr val="660033"/>
               </a:solidFill>
+              <a:effectLst>
+                <a:outerShdw blurRad="38100" dist="38100" dir="2700000" algn="tl">
+                  <a:srgbClr val="000000">
+                    <a:alpha val="43137"/>
+                  </a:srgbClr>
+                </a:outerShdw>
+              </a:effectLst>
               <a:latin typeface="微軟正黑體" pitchFamily="34" charset="-120"/>
               <a:ea typeface="微軟正黑體" pitchFamily="34" charset="-120"/>
             </a:endParaRPr>
           </a:p>
         </p:txBody>
       </p:sp>
-      <p:sp>
-        <p:nvSpPr>
-          <p:cNvPr id="4" name="內容版面配置區 3"/>
-          <p:cNvSpPr>
-            <a:spLocks noGrp="1"/>
-          </p:cNvSpPr>
-          <p:nvPr>
-            <p:ph idx="1"/>
-          </p:nvPr>
-        </p:nvSpPr>
-        <p:spPr>
-          <a:xfrm>
-            <a:off x="0" y="1200151"/>
-            <a:ext cx="9144000" cy="3394472"/>
-          </a:xfrm>
-        </p:spPr>
-        <p:txBody>
-          <a:bodyPr>
-            <a:noAutofit/>
-          </a:bodyPr>
-          <a:lstStyle/>
-          <a:p>
-            <a:pPr algn="ctr">
-              <a:buNone/>
-            </a:pPr>
-            <a:r>
-              <a:rPr lang="zh-TW" altLang="en-US" sz="4800" b="1" dirty="0">
-                <a:solidFill>
-                  <a:srgbClr val="000066"/>
-                </a:solidFill>
-                <a:latin typeface="微軟正黑體" pitchFamily="34" charset="-120"/>
-                <a:ea typeface="微軟正黑體" pitchFamily="34" charset="-120"/>
-              </a:rPr>
-              <a:t>聖哉聖哉聖</a:t>
-            </a:r>
-            <a:r>
-              <a:rPr lang="zh-TW" altLang="en-US" sz="4800" b="1" dirty="0" smtClean="0">
-                <a:solidFill>
-                  <a:srgbClr val="000066"/>
-                </a:solidFill>
-                <a:latin typeface="微軟正黑體" pitchFamily="34" charset="-120"/>
-                <a:ea typeface="微軟正黑體" pitchFamily="34" charset="-120"/>
-              </a:rPr>
-              <a:t>哉  全</a:t>
-            </a:r>
-            <a:r>
-              <a:rPr lang="zh-TW" altLang="en-US" sz="4800" b="1" dirty="0">
-                <a:solidFill>
-                  <a:srgbClr val="000066"/>
-                </a:solidFill>
-                <a:latin typeface="微軟正黑體" pitchFamily="34" charset="-120"/>
-                <a:ea typeface="微軟正黑體" pitchFamily="34" charset="-120"/>
-              </a:rPr>
-              <a:t>能大主宰</a:t>
-            </a:r>
-          </a:p>
-          <a:p>
-            <a:pPr algn="ctr">
-              <a:buNone/>
-            </a:pPr>
-            <a:r>
-              <a:rPr lang="zh-TW" altLang="en-US" sz="4800" b="1" dirty="0">
-                <a:solidFill>
-                  <a:srgbClr val="000066"/>
-                </a:solidFill>
-                <a:latin typeface="微軟正黑體" pitchFamily="34" charset="-120"/>
-                <a:ea typeface="微軟正黑體" pitchFamily="34" charset="-120"/>
-              </a:rPr>
-              <a:t>大眾早晨歡</a:t>
-            </a:r>
-            <a:r>
-              <a:rPr lang="zh-TW" altLang="en-US" sz="4800" b="1" dirty="0" smtClean="0">
-                <a:solidFill>
-                  <a:srgbClr val="000066"/>
-                </a:solidFill>
-                <a:latin typeface="微軟正黑體" pitchFamily="34" charset="-120"/>
-                <a:ea typeface="微軟正黑體" pitchFamily="34" charset="-120"/>
-              </a:rPr>
-              <a:t>悅  高</a:t>
-            </a:r>
-            <a:r>
-              <a:rPr lang="zh-TW" altLang="en-US" sz="4800" b="1" dirty="0">
-                <a:solidFill>
-                  <a:srgbClr val="000066"/>
-                </a:solidFill>
-                <a:latin typeface="微軟正黑體" pitchFamily="34" charset="-120"/>
-                <a:ea typeface="微軟正黑體" pitchFamily="34" charset="-120"/>
-              </a:rPr>
-              <a:t>聲讚美主</a:t>
-            </a:r>
-            <a:r>
-              <a:rPr lang="zh-TW" altLang="en-US" sz="4800" b="1" dirty="0" smtClean="0">
-                <a:solidFill>
-                  <a:srgbClr val="000066"/>
-                </a:solidFill>
-                <a:latin typeface="微軟正黑體" pitchFamily="34" charset="-120"/>
-                <a:ea typeface="微軟正黑體" pitchFamily="34" charset="-120"/>
-              </a:rPr>
-              <a:t>名</a:t>
-            </a:r>
-            <a:endParaRPr lang="en-US" altLang="zh-TW" sz="4800" b="1" dirty="0" smtClean="0">
-              <a:solidFill>
-                <a:srgbClr val="000066"/>
-              </a:solidFill>
-              <a:latin typeface="微軟正黑體" pitchFamily="34" charset="-120"/>
-              <a:ea typeface="微軟正黑體" pitchFamily="34" charset="-120"/>
-            </a:endParaRPr>
-          </a:p>
-          <a:p>
-            <a:pPr algn="ctr">
-              <a:buNone/>
-            </a:pPr>
-            <a:r>
-              <a:rPr lang="zh-TW" altLang="en-US" sz="4800" b="1" dirty="0">
-                <a:solidFill>
-                  <a:srgbClr val="000066"/>
-                </a:solidFill>
-                <a:latin typeface="微軟正黑體" pitchFamily="34" charset="-120"/>
-                <a:ea typeface="微軟正黑體" pitchFamily="34" charset="-120"/>
-              </a:rPr>
-              <a:t>聖哉聖哉聖</a:t>
-            </a:r>
-            <a:r>
-              <a:rPr lang="zh-TW" altLang="en-US" sz="4800" b="1" dirty="0" smtClean="0">
-                <a:solidFill>
-                  <a:srgbClr val="000066"/>
-                </a:solidFill>
-                <a:latin typeface="微軟正黑體" pitchFamily="34" charset="-120"/>
-                <a:ea typeface="微軟正黑體" pitchFamily="34" charset="-120"/>
-              </a:rPr>
-              <a:t>哉  恩</a:t>
-            </a:r>
-            <a:r>
-              <a:rPr lang="zh-TW" altLang="en-US" sz="4800" b="1" dirty="0">
-                <a:solidFill>
-                  <a:srgbClr val="000066"/>
-                </a:solidFill>
-                <a:latin typeface="微軟正黑體" pitchFamily="34" charset="-120"/>
-                <a:ea typeface="微軟正黑體" pitchFamily="34" charset="-120"/>
-              </a:rPr>
-              <a:t>慈永無更改</a:t>
-            </a:r>
-          </a:p>
-          <a:p>
-            <a:pPr algn="ctr">
-              <a:buNone/>
-            </a:pPr>
-            <a:r>
-              <a:rPr lang="zh-CN" altLang="en-US" sz="4800" b="1" dirty="0">
-                <a:solidFill>
-                  <a:srgbClr val="000066"/>
-                </a:solidFill>
-                <a:latin typeface="微軟正黑體" pitchFamily="34" charset="-120"/>
-                <a:ea typeface="微軟正黑體" pitchFamily="34" charset="-120"/>
-              </a:rPr>
-              <a:t>三位一體</a:t>
-            </a:r>
-            <a:r>
-              <a:rPr lang="zh-CN" altLang="en-US" sz="4800" b="1" dirty="0" smtClean="0">
-                <a:solidFill>
-                  <a:srgbClr val="000066"/>
-                </a:solidFill>
-                <a:latin typeface="微軟正黑體" pitchFamily="34" charset="-120"/>
-                <a:ea typeface="微軟正黑體" pitchFamily="34" charset="-120"/>
-              </a:rPr>
-              <a:t>神</a:t>
-            </a:r>
-            <a:r>
-              <a:rPr lang="zh-TW" altLang="en-US" sz="4800" b="1" dirty="0" smtClean="0">
-                <a:solidFill>
-                  <a:srgbClr val="000066"/>
-                </a:solidFill>
-                <a:latin typeface="微軟正黑體" pitchFamily="34" charset="-120"/>
-                <a:ea typeface="微軟正黑體" pitchFamily="34" charset="-120"/>
-              </a:rPr>
-              <a:t>  </a:t>
-            </a:r>
-            <a:r>
-              <a:rPr lang="zh-CN" altLang="en-US" sz="4800" b="1" dirty="0" smtClean="0">
-                <a:solidFill>
-                  <a:srgbClr val="000066"/>
-                </a:solidFill>
-                <a:latin typeface="微軟正黑體" pitchFamily="34" charset="-120"/>
-                <a:ea typeface="微軟正黑體" pitchFamily="34" charset="-120"/>
-              </a:rPr>
-              <a:t>父</a:t>
-            </a:r>
-            <a:r>
-              <a:rPr lang="zh-CN" altLang="en-US" sz="4800" b="1" dirty="0">
-                <a:solidFill>
-                  <a:srgbClr val="000066"/>
-                </a:solidFill>
-                <a:latin typeface="微軟正黑體" pitchFamily="34" charset="-120"/>
-                <a:ea typeface="微軟正黑體" pitchFamily="34" charset="-120"/>
-              </a:rPr>
-              <a:t>子與聖靈</a:t>
-            </a:r>
-            <a:endParaRPr lang="zh-TW" altLang="en-US" sz="4800" b="1" dirty="0">
-              <a:solidFill>
-                <a:srgbClr val="000066"/>
-              </a:solidFill>
-              <a:latin typeface="微軟正黑體" pitchFamily="34" charset="-120"/>
-              <a:ea typeface="微軟正黑體" pitchFamily="34" charset="-120"/>
-            </a:endParaRPr>
-          </a:p>
-          <a:p>
-            <a:pPr algn="ctr">
-              <a:buNone/>
-            </a:pPr>
-            <a:endParaRPr lang="zh-TW" altLang="en-US" sz="4800" b="1" dirty="0">
-              <a:solidFill>
-                <a:srgbClr val="000066"/>
-              </a:solidFill>
-              <a:latin typeface="微軟正黑體" pitchFamily="34" charset="-120"/>
-              <a:ea typeface="微軟正黑體" pitchFamily="34" charset="-120"/>
-            </a:endParaRPr>
-          </a:p>
-        </p:txBody>
-      </p:sp>
-      <p:sp>
-        <p:nvSpPr>
-          <p:cNvPr id="3" name="TextBox 2"/>
-          <p:cNvSpPr txBox="1"/>
-          <p:nvPr/>
-        </p:nvSpPr>
-        <p:spPr>
-          <a:xfrm>
-            <a:off x="251520" y="1203598"/>
-            <a:ext cx="648072" cy="769441"/>
-          </a:xfrm>
-          <a:prstGeom prst="rect">
-            <a:avLst/>
-          </a:prstGeom>
-          <a:noFill/>
-        </p:spPr>
-        <p:txBody>
-          <a:bodyPr wrap="square" rtlCol="0">
-            <a:spAutoFit/>
-          </a:bodyPr>
-          <a:lstStyle/>
-          <a:p>
-            <a:r>
-              <a:rPr lang="en-US" altLang="zh-CN" sz="4400" b="1" dirty="0">
-                <a:solidFill>
-                  <a:srgbClr val="000066"/>
-                </a:solidFill>
-                <a:latin typeface="微軟正黑體" pitchFamily="34" charset="-120"/>
-                <a:ea typeface="微軟正黑體" pitchFamily="34" charset="-120"/>
-              </a:rPr>
-              <a:t>1</a:t>
-            </a:r>
-            <a:r>
-              <a:rPr lang="en-US" altLang="zh-CN" sz="4400" b="1" dirty="0">
-                <a:solidFill>
-                  <a:srgbClr val="000066"/>
-                </a:solidFill>
-                <a:latin typeface="微軟正黑體" pitchFamily="34" charset="-120"/>
-                <a:ea typeface="微軟正黑體" pitchFamily="34" charset="-120"/>
-              </a:rPr>
-              <a:t>.</a:t>
-            </a:r>
-            <a:endParaRPr lang="en-US" sz="4400" b="1" dirty="0">
-              <a:solidFill>
-                <a:srgbClr val="000066"/>
-              </a:solidFill>
-              <a:latin typeface="微軟正黑體" pitchFamily="34" charset="-120"/>
-              <a:ea typeface="微軟正黑體" pitchFamily="34" charset="-120"/>
-            </a:endParaRPr>
-          </a:p>
-        </p:txBody>
-      </p:sp>
     </p:spTree>
+    <p:extLst>
+      <p:ext uri="{BB962C8B-B14F-4D97-AF65-F5344CB8AC3E}">
+        <p14:creationId xmlns:p14="http://schemas.microsoft.com/office/powerpoint/2010/main" val="2520355192"/>
+      </p:ext>
+    </p:extLst>
   </p:cSld>
   <p:clrMapOvr>
     <a:masterClrMapping/>
   </p:clrMapOvr>
+  <p:timing>
+    <p:tnLst>
+      <p:par>
+        <p:cTn id="1" dur="indefinite" restart="never" nodeType="tmRoot"/>
+      </p:par>
+    </p:tnLst>
+  </p:timing>
 </p:sld>
 </file>
 
@@ -3406,263 +3271,84 @@
       </p:grpSpPr>
       <p:sp>
         <p:nvSpPr>
-          <p:cNvPr id="2" name="標題 1"/>
-          <p:cNvSpPr>
-            <a:spLocks noGrp="1"/>
-          </p:cNvSpPr>
-          <p:nvPr>
-            <p:ph type="title"/>
-          </p:nvPr>
-        </p:nvSpPr>
-        <p:spPr/>
-        <p:txBody>
-          <a:bodyPr>
+          <p:cNvPr id="5" name="內容版面配置區 4"/>
+          <p:cNvSpPr>
+            <a:spLocks noGrp="1"/>
+          </p:cNvSpPr>
+          <p:nvPr>
+            <p:ph idx="1"/>
+          </p:nvPr>
+        </p:nvSpPr>
+        <p:spPr>
+          <a:xfrm>
+            <a:off x="0" y="1563639"/>
+            <a:ext cx="9144000" cy="1803647"/>
+          </a:xfrm>
+        </p:spPr>
+        <p:txBody>
+          <a:bodyPr anchor="ctr">
             <a:normAutofit/>
           </a:bodyPr>
           <a:lstStyle/>
           <a:p>
-            <a:r>
-              <a:rPr lang="zh-CN" altLang="en-US" sz="4000" b="1" dirty="0">
-                <a:solidFill>
-                  <a:srgbClr val="000066"/>
-                </a:solidFill>
-                <a:latin typeface="微軟正黑體" pitchFamily="34" charset="-120"/>
-                <a:ea typeface="微軟正黑體" pitchFamily="34" charset="-120"/>
+            <a:pPr algn="ctr">
+              <a:buNone/>
+            </a:pPr>
+            <a:r>
+              <a:rPr lang="zh-TW" altLang="en-US" sz="4800" b="1" dirty="0">
+                <a:solidFill>
+                  <a:srgbClr val="660033"/>
+                </a:solidFill>
+                <a:latin typeface="Microsoft JhengHei" pitchFamily="34" charset="-120"/>
+                <a:ea typeface="Microsoft JhengHei" pitchFamily="34" charset="-120"/>
               </a:rPr>
-              <a:t>聖哉三一</a:t>
-            </a:r>
-            <a:endParaRPr lang="zh-TW" altLang="en-US" sz="4000" b="1" dirty="0">
+              <a:t>聖</a:t>
+            </a:r>
+            <a:r>
+              <a:rPr lang="zh-TW" altLang="en-US" sz="4800" b="1" dirty="0">
+                <a:solidFill>
+                  <a:srgbClr val="660033"/>
+                </a:solidFill>
+                <a:latin typeface="Microsoft JhengHei" pitchFamily="34" charset="-120"/>
+                <a:ea typeface="Microsoft JhengHei" pitchFamily="34" charset="-120"/>
+              </a:rPr>
+              <a:t>哉聖哉聖哉  全能大主宰</a:t>
+            </a:r>
+          </a:p>
+          <a:p>
+            <a:pPr algn="ctr">
+              <a:buNone/>
+            </a:pPr>
+            <a:r>
+              <a:rPr lang="zh-TW" altLang="en-US" sz="4800" b="1" dirty="0">
+                <a:solidFill>
+                  <a:srgbClr val="660033"/>
+                </a:solidFill>
+                <a:latin typeface="Microsoft JhengHei" pitchFamily="34" charset="-120"/>
+                <a:ea typeface="Microsoft JhengHei" pitchFamily="34" charset="-120"/>
+              </a:rPr>
+              <a:t>大眾早晨歡悅  高聲讚美主名</a:t>
+            </a:r>
+            <a:endParaRPr lang="en-US" altLang="zh-TW" sz="4800" b="1" dirty="0">
               <a:solidFill>
-                <a:srgbClr val="000066"/>
+                <a:srgbClr val="660033"/>
               </a:solidFill>
-              <a:latin typeface="微軟正黑體" pitchFamily="34" charset="-120"/>
-              <a:ea typeface="微軟正黑體" pitchFamily="34" charset="-120"/>
+              <a:latin typeface="Microsoft JhengHei" pitchFamily="34" charset="-120"/>
+              <a:ea typeface="Microsoft JhengHei" pitchFamily="34" charset="-120"/>
             </a:endParaRPr>
           </a:p>
         </p:txBody>
       </p:sp>
       <p:sp>
         <p:nvSpPr>
-          <p:cNvPr id="4" name="內容版面配置區 3"/>
-          <p:cNvSpPr>
-            <a:spLocks noGrp="1"/>
-          </p:cNvSpPr>
-          <p:nvPr>
-            <p:ph idx="1"/>
-          </p:nvPr>
+          <p:cNvPr id="3" name="TextBox 2"/>
+          <p:cNvSpPr txBox="1"/>
+          <p:nvPr/>
         </p:nvSpPr>
         <p:spPr>
           <a:xfrm>
-            <a:off x="0" y="1200151"/>
-            <a:ext cx="9144000" cy="3394472"/>
-          </a:xfrm>
-        </p:spPr>
-        <p:txBody>
-          <a:bodyPr>
-            <a:noAutofit/>
-          </a:bodyPr>
-          <a:lstStyle/>
-          <a:p>
-            <a:pPr algn="ctr">
-              <a:buNone/>
-            </a:pPr>
-            <a:r>
-              <a:rPr lang="zh-TW" altLang="en-US" sz="4800" b="1" dirty="0">
-                <a:solidFill>
-                  <a:srgbClr val="000066"/>
-                </a:solidFill>
-                <a:latin typeface="微軟正黑體" pitchFamily="34" charset="-120"/>
-                <a:ea typeface="微軟正黑體" pitchFamily="34" charset="-120"/>
-              </a:rPr>
-              <a:t>聖哉聖哉聖</a:t>
-            </a:r>
-            <a:r>
-              <a:rPr lang="zh-TW" altLang="en-US" sz="4800" b="1" dirty="0" smtClean="0">
-                <a:solidFill>
-                  <a:srgbClr val="000066"/>
-                </a:solidFill>
-                <a:latin typeface="微軟正黑體" pitchFamily="34" charset="-120"/>
-                <a:ea typeface="微軟正黑體" pitchFamily="34" charset="-120"/>
-              </a:rPr>
-              <a:t>哉  聖</a:t>
-            </a:r>
-            <a:r>
-              <a:rPr lang="zh-TW" altLang="en-US" sz="4800" b="1" dirty="0">
-                <a:solidFill>
-                  <a:srgbClr val="000066"/>
-                </a:solidFill>
-                <a:latin typeface="微軟正黑體" pitchFamily="34" charset="-120"/>
-                <a:ea typeface="微軟正黑體" pitchFamily="34" charset="-120"/>
-              </a:rPr>
-              <a:t>徒虔崇拜</a:t>
-            </a:r>
-          </a:p>
-          <a:p>
-            <a:pPr algn="ctr">
-              <a:buNone/>
-            </a:pPr>
-            <a:r>
-              <a:rPr lang="zh-TW" altLang="en-US" sz="4800" b="1" dirty="0">
-                <a:solidFill>
-                  <a:srgbClr val="000066"/>
-                </a:solidFill>
-                <a:latin typeface="微軟正黑體" pitchFamily="34" charset="-120"/>
-                <a:ea typeface="微軟正黑體" pitchFamily="34" charset="-120"/>
-              </a:rPr>
-              <a:t>同將華麗金</a:t>
-            </a:r>
-            <a:r>
-              <a:rPr lang="zh-TW" altLang="en-US" sz="4800" b="1" dirty="0" smtClean="0">
-                <a:solidFill>
-                  <a:srgbClr val="000066"/>
-                </a:solidFill>
-                <a:latin typeface="微軟正黑體" pitchFamily="34" charset="-120"/>
-                <a:ea typeface="微軟正黑體" pitchFamily="34" charset="-120"/>
-              </a:rPr>
-              <a:t>冠  放</a:t>
-            </a:r>
-            <a:r>
-              <a:rPr lang="zh-CN" altLang="en-US" sz="4800" b="1" dirty="0">
-                <a:solidFill>
-                  <a:srgbClr val="000066"/>
-                </a:solidFill>
-                <a:latin typeface="微軟正黑體" pitchFamily="34" charset="-120"/>
-                <a:ea typeface="微軟正黑體" pitchFamily="34" charset="-120"/>
-              </a:rPr>
-              <a:t>於</a:t>
-            </a:r>
-            <a:r>
-              <a:rPr lang="zh-TW" altLang="en-US" sz="4800" b="1" dirty="0">
-                <a:solidFill>
-                  <a:srgbClr val="000066"/>
-                </a:solidFill>
-                <a:latin typeface="微軟正黑體" pitchFamily="34" charset="-120"/>
-                <a:ea typeface="微軟正黑體" pitchFamily="34" charset="-120"/>
-              </a:rPr>
-              <a:t>寶座</a:t>
-            </a:r>
-            <a:r>
-              <a:rPr lang="zh-TW" altLang="en-US" sz="4800" b="1" dirty="0">
-                <a:solidFill>
-                  <a:srgbClr val="000066"/>
-                </a:solidFill>
-                <a:latin typeface="微軟正黑體" pitchFamily="34" charset="-120"/>
-                <a:ea typeface="微軟正黑體" pitchFamily="34" charset="-120"/>
-              </a:rPr>
-              <a:t>面</a:t>
-            </a:r>
-            <a:r>
-              <a:rPr lang="zh-TW" altLang="en-US" sz="4800" b="1" dirty="0" smtClean="0">
-                <a:solidFill>
-                  <a:srgbClr val="000066"/>
-                </a:solidFill>
-                <a:latin typeface="微軟正黑體" pitchFamily="34" charset="-120"/>
-                <a:ea typeface="微軟正黑體" pitchFamily="34" charset="-120"/>
-              </a:rPr>
-              <a:t>前</a:t>
-            </a:r>
-            <a:endParaRPr lang="en-US" altLang="zh-TW" sz="4800" b="1" dirty="0" smtClean="0">
-              <a:solidFill>
-                <a:srgbClr val="000066"/>
-              </a:solidFill>
-              <a:latin typeface="微軟正黑體" pitchFamily="34" charset="-120"/>
-              <a:ea typeface="微軟正黑體" pitchFamily="34" charset="-120"/>
-            </a:endParaRPr>
-          </a:p>
-          <a:p>
-            <a:pPr algn="ctr">
-              <a:buNone/>
-            </a:pPr>
-            <a:r>
-              <a:rPr lang="zh-TW" altLang="en-US" sz="4800" b="1" dirty="0">
-                <a:solidFill>
-                  <a:srgbClr val="000066"/>
-                </a:solidFill>
-                <a:latin typeface="微軟正黑體" pitchFamily="34" charset="-120"/>
-                <a:ea typeface="微軟正黑體" pitchFamily="34" charset="-120"/>
-              </a:rPr>
-              <a:t>基路冰西拉</a:t>
-            </a:r>
-            <a:r>
-              <a:rPr lang="zh-TW" altLang="en-US" sz="4800" b="1" dirty="0" smtClean="0">
-                <a:solidFill>
-                  <a:srgbClr val="000066"/>
-                </a:solidFill>
-                <a:latin typeface="微軟正黑體" pitchFamily="34" charset="-120"/>
-                <a:ea typeface="微軟正黑體" pitchFamily="34" charset="-120"/>
-              </a:rPr>
-              <a:t>冰  也</a:t>
-            </a:r>
-            <a:r>
-              <a:rPr lang="zh-TW" altLang="en-US" sz="4800" b="1" dirty="0">
-                <a:solidFill>
-                  <a:srgbClr val="000066"/>
-                </a:solidFill>
-                <a:latin typeface="微軟正黑體" pitchFamily="34" charset="-120"/>
-                <a:ea typeface="微軟正黑體" pitchFamily="34" charset="-120"/>
-              </a:rPr>
-              <a:t>敬拜全能者</a:t>
-            </a:r>
-          </a:p>
-          <a:p>
-            <a:pPr algn="ctr">
-              <a:buNone/>
-            </a:pPr>
-            <a:r>
-              <a:rPr lang="zh-TW" altLang="en-US" sz="4800" b="1" dirty="0">
-                <a:solidFill>
-                  <a:srgbClr val="000066"/>
-                </a:solidFill>
-                <a:latin typeface="微軟正黑體" pitchFamily="34" charset="-120"/>
-                <a:ea typeface="微軟正黑體" pitchFamily="34" charset="-120"/>
-              </a:rPr>
-              <a:t>昔在而今</a:t>
-            </a:r>
-            <a:r>
-              <a:rPr lang="zh-TW" altLang="en-US" sz="4800" b="1" dirty="0" smtClean="0">
-                <a:solidFill>
-                  <a:srgbClr val="000066"/>
-                </a:solidFill>
-                <a:latin typeface="微軟正黑體" pitchFamily="34" charset="-120"/>
-                <a:ea typeface="微軟正黑體" pitchFamily="34" charset="-120"/>
-              </a:rPr>
-              <a:t>在  永</a:t>
-            </a:r>
-            <a:r>
-              <a:rPr lang="zh-TW" altLang="en-US" sz="4800" b="1" dirty="0">
-                <a:solidFill>
-                  <a:srgbClr val="000066"/>
-                </a:solidFill>
-                <a:latin typeface="微軟正黑體" pitchFamily="34" charset="-120"/>
-                <a:ea typeface="微軟正黑體" pitchFamily="34" charset="-120"/>
-              </a:rPr>
-              <a:t>在萬萬年</a:t>
-            </a:r>
-          </a:p>
-          <a:p>
-            <a:pPr algn="ctr">
-              <a:buNone/>
-            </a:pPr>
-            <a:endParaRPr lang="zh-TW" altLang="en-US" sz="4800" b="1" dirty="0">
-              <a:solidFill>
-                <a:srgbClr val="000066"/>
-              </a:solidFill>
-              <a:latin typeface="微軟正黑體" pitchFamily="34" charset="-120"/>
-              <a:ea typeface="微軟正黑體" pitchFamily="34" charset="-120"/>
-            </a:endParaRPr>
-          </a:p>
-        </p:txBody>
-      </p:sp>
-      <p:sp>
-        <p:nvSpPr>
-          <p:cNvPr id="5" name="TextBox 4"/>
-          <p:cNvSpPr txBox="1"/>
-          <p:nvPr/>
-        </p:nvSpPr>
-        <p:spPr>
-          <a:xfrm>
-            <a:off x="251520" y="1203598"/>
-            <a:ext cx="648072" cy="769441"/>
+            <a:off x="0" y="3795887"/>
+            <a:ext cx="9144000" cy="646331"/>
           </a:xfrm>
           <a:prstGeom prst="rect">
             <a:avLst/>
@@ -3675,41 +3361,40 @@
           </a:bodyPr>
           <a:lstStyle/>
           <a:p>
-            <a:r>
-              <a:rPr lang="en-US" altLang="zh-CN" sz="4400" b="1" dirty="0">
-                <a:solidFill>
-                  <a:srgbClr val="000066"/>
-                </a:solidFill>
-                <a:latin typeface="微軟正黑體" pitchFamily="34" charset="-120"/>
-                <a:ea typeface="微軟正黑體" pitchFamily="34" charset="-120"/>
+            <a:pPr algn="ctr"/>
+            <a:r>
+              <a:rPr lang="en-US" sz="3600" b="1" dirty="0">
+                <a:solidFill>
+                  <a:srgbClr val="660033"/>
+                </a:solidFill>
               </a:rPr>
-              <a:t>2</a:t>
-            </a:r>
-            <a:r>
-              <a:rPr lang="en-US" altLang="zh-CN" sz="4400" b="1" dirty="0" smtClean="0">
-                <a:solidFill>
-                  <a:srgbClr val="000066"/>
-                </a:solidFill>
-                <a:latin typeface="微軟正黑體" pitchFamily="34" charset="-120"/>
-                <a:ea typeface="微軟正黑體" pitchFamily="34" charset="-120"/>
-              </a:rPr>
-              <a:t>.</a:t>
-            </a:r>
-            <a:endParaRPr lang="en-US" sz="4400" b="1" dirty="0">
+              <a:t>( 1 )</a:t>
+            </a:r>
+            <a:endParaRPr lang="vi-VN" sz="3600" b="1" dirty="0">
               <a:solidFill>
-                <a:srgbClr val="000066"/>
+                <a:srgbClr val="660033"/>
               </a:solidFill>
-              <a:latin typeface="微軟正黑體" pitchFamily="34" charset="-120"/>
-              <a:ea typeface="微軟正黑體" pitchFamily="34" charset="-120"/>
             </a:endParaRPr>
           </a:p>
         </p:txBody>
       </p:sp>
     </p:spTree>
+    <p:extLst>
+      <p:ext uri="{BB962C8B-B14F-4D97-AF65-F5344CB8AC3E}">
+        <p14:creationId xmlns:p14="http://schemas.microsoft.com/office/powerpoint/2010/main" val="4011502044"/>
+      </p:ext>
+    </p:extLst>
   </p:cSld>
   <p:clrMapOvr>
     <a:masterClrMapping/>
   </p:clrMapOvr>
+  <p:timing>
+    <p:tnLst>
+      <p:par>
+        <p:cTn id="1" dur="indefinite" restart="never" nodeType="tmRoot"/>
+      </p:par>
+    </p:tnLst>
+  </p:timing>
 </p:sld>
 </file>
 
@@ -3732,270 +3417,94 @@
       </p:grpSpPr>
       <p:sp>
         <p:nvSpPr>
-          <p:cNvPr id="2" name="標題 1"/>
-          <p:cNvSpPr>
-            <a:spLocks noGrp="1"/>
-          </p:cNvSpPr>
-          <p:nvPr>
-            <p:ph type="title"/>
-          </p:nvPr>
-        </p:nvSpPr>
-        <p:spPr/>
-        <p:txBody>
-          <a:bodyPr>
+          <p:cNvPr id="5" name="內容版面配置區 4"/>
+          <p:cNvSpPr>
+            <a:spLocks noGrp="1"/>
+          </p:cNvSpPr>
+          <p:nvPr>
+            <p:ph idx="1"/>
+          </p:nvPr>
+        </p:nvSpPr>
+        <p:spPr>
+          <a:xfrm>
+            <a:off x="0" y="1563639"/>
+            <a:ext cx="9144000" cy="1803647"/>
+          </a:xfrm>
+        </p:spPr>
+        <p:txBody>
+          <a:bodyPr anchor="ctr">
             <a:normAutofit/>
           </a:bodyPr>
           <a:lstStyle/>
           <a:p>
-            <a:r>
-              <a:rPr lang="zh-CN" altLang="en-US" sz="4000" b="1" dirty="0">
-                <a:solidFill>
-                  <a:srgbClr val="000066"/>
-                </a:solidFill>
-                <a:latin typeface="微軟正黑體" pitchFamily="34" charset="-120"/>
-                <a:ea typeface="微軟正黑體" pitchFamily="34" charset="-120"/>
+            <a:pPr algn="ctr">
+              <a:buNone/>
+            </a:pPr>
+            <a:r>
+              <a:rPr lang="zh-TW" altLang="en-US" sz="4800" b="1" dirty="0">
+                <a:solidFill>
+                  <a:srgbClr val="660033"/>
+                </a:solidFill>
+                <a:latin typeface="Microsoft JhengHei" pitchFamily="34" charset="-120"/>
+                <a:ea typeface="Microsoft JhengHei" pitchFamily="34" charset="-120"/>
               </a:rPr>
-              <a:t>聖哉三一</a:t>
-            </a:r>
-            <a:endParaRPr lang="zh-TW" altLang="en-US" sz="4000" b="1" dirty="0">
+              <a:t>聖哉聖哉聖哉  恩慈永無更改</a:t>
+            </a:r>
+          </a:p>
+          <a:p>
+            <a:pPr algn="ctr">
+              <a:buNone/>
+            </a:pPr>
+            <a:r>
+              <a:rPr lang="zh-CN" altLang="en-US" sz="4800" b="1" dirty="0">
+                <a:solidFill>
+                  <a:srgbClr val="660033"/>
+                </a:solidFill>
+                <a:latin typeface="Microsoft JhengHei" pitchFamily="34" charset="-120"/>
+                <a:ea typeface="Microsoft JhengHei" pitchFamily="34" charset="-120"/>
+              </a:rPr>
+              <a:t>三位一體神</a:t>
+            </a:r>
+            <a:r>
+              <a:rPr lang="zh-TW" altLang="en-US" sz="4800" b="1" dirty="0">
+                <a:solidFill>
+                  <a:srgbClr val="660033"/>
+                </a:solidFill>
+                <a:latin typeface="Microsoft JhengHei" pitchFamily="34" charset="-120"/>
+                <a:ea typeface="Microsoft JhengHei" pitchFamily="34" charset="-120"/>
+              </a:rPr>
+              <a:t>  </a:t>
+            </a:r>
+            <a:r>
+              <a:rPr lang="zh-CN" altLang="en-US" sz="4800" b="1" dirty="0">
+                <a:solidFill>
+                  <a:srgbClr val="660033"/>
+                </a:solidFill>
+                <a:latin typeface="Microsoft JhengHei" pitchFamily="34" charset="-120"/>
+                <a:ea typeface="Microsoft JhengHei" pitchFamily="34" charset="-120"/>
+              </a:rPr>
+              <a:t>父子與聖靈</a:t>
+            </a:r>
+            <a:endParaRPr lang="zh-TW" altLang="en-US" sz="4800" b="1" dirty="0">
               <a:solidFill>
-                <a:srgbClr val="000066"/>
+                <a:srgbClr val="660033"/>
               </a:solidFill>
-              <a:latin typeface="微軟正黑體" pitchFamily="34" charset="-120"/>
-              <a:ea typeface="微軟正黑體" pitchFamily="34" charset="-120"/>
+              <a:latin typeface="Microsoft JhengHei" pitchFamily="34" charset="-120"/>
+              <a:ea typeface="Microsoft JhengHei" pitchFamily="34" charset="-120"/>
             </a:endParaRPr>
           </a:p>
         </p:txBody>
       </p:sp>
       <p:sp>
         <p:nvSpPr>
-          <p:cNvPr id="4" name="內容版面配置區 3"/>
-          <p:cNvSpPr>
-            <a:spLocks noGrp="1"/>
-          </p:cNvSpPr>
-          <p:nvPr>
-            <p:ph idx="1"/>
-          </p:nvPr>
+          <p:cNvPr id="3" name="TextBox 2"/>
+          <p:cNvSpPr txBox="1"/>
+          <p:nvPr/>
         </p:nvSpPr>
         <p:spPr>
           <a:xfrm>
-            <a:off x="0" y="1200151"/>
-            <a:ext cx="9144000" cy="3394472"/>
-          </a:xfrm>
-        </p:spPr>
-        <p:txBody>
-          <a:bodyPr>
-            <a:noAutofit/>
-          </a:bodyPr>
-          <a:lstStyle/>
-          <a:p>
-            <a:pPr algn="ctr">
-              <a:buNone/>
-            </a:pPr>
-            <a:r>
-              <a:rPr lang="zh-TW" altLang="en-US" sz="4800" b="1" dirty="0">
-                <a:solidFill>
-                  <a:srgbClr val="000066"/>
-                </a:solidFill>
-                <a:latin typeface="微軟正黑體" pitchFamily="34" charset="-120"/>
-                <a:ea typeface="微軟正黑體" pitchFamily="34" charset="-120"/>
-              </a:rPr>
-              <a:t>聖哉聖哉聖</a:t>
-            </a:r>
-            <a:r>
-              <a:rPr lang="zh-TW" altLang="en-US" sz="4800" b="1" dirty="0" smtClean="0">
-                <a:solidFill>
-                  <a:srgbClr val="000066"/>
-                </a:solidFill>
-                <a:latin typeface="微軟正黑體" pitchFamily="34" charset="-120"/>
-                <a:ea typeface="微軟正黑體" pitchFamily="34" charset="-120"/>
-              </a:rPr>
-              <a:t>哉  主</a:t>
-            </a:r>
-            <a:r>
-              <a:rPr lang="zh-TW" altLang="en-US" sz="4800" b="1" dirty="0">
-                <a:solidFill>
-                  <a:srgbClr val="000066"/>
-                </a:solidFill>
-                <a:latin typeface="微軟正黑體" pitchFamily="34" charset="-120"/>
-                <a:ea typeface="微軟正黑體" pitchFamily="34" charset="-120"/>
-              </a:rPr>
-              <a:t>藏彩雲裡</a:t>
-            </a:r>
-          </a:p>
-          <a:p>
-            <a:pPr algn="ctr">
-              <a:buNone/>
-            </a:pPr>
-            <a:r>
-              <a:rPr lang="zh-TW" altLang="en-US" sz="4800" b="1" dirty="0">
-                <a:solidFill>
-                  <a:srgbClr val="000066"/>
-                </a:solidFill>
-                <a:latin typeface="微軟正黑體" pitchFamily="34" charset="-120"/>
-                <a:ea typeface="微軟正黑體" pitchFamily="34" charset="-120"/>
-              </a:rPr>
-              <a:t>罪人何得目</a:t>
-            </a:r>
-            <a:r>
-              <a:rPr lang="zh-TW" altLang="en-US" sz="4800" b="1" dirty="0" smtClean="0">
-                <a:solidFill>
-                  <a:srgbClr val="000066"/>
-                </a:solidFill>
-                <a:latin typeface="微軟正黑體" pitchFamily="34" charset="-120"/>
-                <a:ea typeface="微軟正黑體" pitchFamily="34" charset="-120"/>
-              </a:rPr>
-              <a:t>見  真</a:t>
-            </a:r>
-            <a:r>
-              <a:rPr lang="zh-TW" altLang="en-US" sz="4800" b="1" dirty="0">
-                <a:solidFill>
-                  <a:srgbClr val="000066"/>
-                </a:solidFill>
-                <a:latin typeface="微軟正黑體" pitchFamily="34" charset="-120"/>
-                <a:ea typeface="微軟正黑體" pitchFamily="34" charset="-120"/>
-              </a:rPr>
-              <a:t>主威嚴榮</a:t>
-            </a:r>
-            <a:r>
-              <a:rPr lang="zh-TW" altLang="en-US" sz="4800" b="1" dirty="0" smtClean="0">
-                <a:solidFill>
-                  <a:srgbClr val="000066"/>
-                </a:solidFill>
-                <a:latin typeface="微軟正黑體" pitchFamily="34" charset="-120"/>
-                <a:ea typeface="微軟正黑體" pitchFamily="34" charset="-120"/>
-              </a:rPr>
-              <a:t>光</a:t>
-            </a:r>
-            <a:endParaRPr lang="en-US" altLang="zh-TW" sz="4800" b="1" dirty="0" smtClean="0">
-              <a:solidFill>
-                <a:srgbClr val="000066"/>
-              </a:solidFill>
-              <a:latin typeface="微軟正黑體" pitchFamily="34" charset="-120"/>
-              <a:ea typeface="微軟正黑體" pitchFamily="34" charset="-120"/>
-            </a:endParaRPr>
-          </a:p>
-          <a:p>
-            <a:pPr algn="ctr">
-              <a:buNone/>
-            </a:pPr>
-            <a:r>
-              <a:rPr lang="zh-TW" altLang="en-US" sz="4800" b="1" dirty="0">
-                <a:solidFill>
-                  <a:srgbClr val="000066"/>
-                </a:solidFill>
-                <a:latin typeface="微軟正黑體" pitchFamily="34" charset="-120"/>
-                <a:ea typeface="微軟正黑體" pitchFamily="34" charset="-120"/>
-              </a:rPr>
-              <a:t>惟耶和華至</a:t>
-            </a:r>
-            <a:r>
-              <a:rPr lang="zh-TW" altLang="en-US" sz="4800" b="1" dirty="0" smtClean="0">
-                <a:solidFill>
-                  <a:srgbClr val="000066"/>
-                </a:solidFill>
-                <a:latin typeface="微軟正黑體" pitchFamily="34" charset="-120"/>
-                <a:ea typeface="微軟正黑體" pitchFamily="34" charset="-120"/>
-              </a:rPr>
-              <a:t>聖  誰</a:t>
-            </a:r>
-            <a:r>
-              <a:rPr lang="zh-TW" altLang="en-US" sz="4800" b="1" dirty="0">
-                <a:solidFill>
-                  <a:srgbClr val="000066"/>
-                </a:solidFill>
-                <a:latin typeface="微軟正黑體" pitchFamily="34" charset="-120"/>
-                <a:ea typeface="微軟正黑體" pitchFamily="34" charset="-120"/>
-              </a:rPr>
-              <a:t>能與主比擬</a:t>
-            </a:r>
-          </a:p>
-          <a:p>
-            <a:pPr algn="ctr">
-              <a:buNone/>
-            </a:pPr>
-            <a:r>
-              <a:rPr lang="zh-CN" altLang="en-US" sz="4800" b="1" dirty="0">
-                <a:solidFill>
-                  <a:srgbClr val="000066"/>
-                </a:solidFill>
-                <a:latin typeface="微軟正黑體" pitchFamily="34" charset="-120"/>
-                <a:ea typeface="微軟正黑體" pitchFamily="34" charset="-120"/>
-              </a:rPr>
-              <a:t>智仁勇全</a:t>
-            </a:r>
-            <a:r>
-              <a:rPr lang="zh-CN" altLang="en-US" sz="4800" b="1" dirty="0" smtClean="0">
-                <a:solidFill>
-                  <a:srgbClr val="000066"/>
-                </a:solidFill>
-                <a:latin typeface="微軟正黑體" pitchFamily="34" charset="-120"/>
-                <a:ea typeface="微軟正黑體" pitchFamily="34" charset="-120"/>
-              </a:rPr>
-              <a:t>備</a:t>
-            </a:r>
-            <a:r>
-              <a:rPr lang="zh-TW" altLang="en-US" sz="4800" b="1" dirty="0" smtClean="0">
-                <a:solidFill>
-                  <a:srgbClr val="000066"/>
-                </a:solidFill>
-                <a:latin typeface="微軟正黑體" pitchFamily="34" charset="-120"/>
-                <a:ea typeface="微軟正黑體" pitchFamily="34" charset="-120"/>
-              </a:rPr>
-              <a:t>  </a:t>
-            </a:r>
-            <a:r>
-              <a:rPr lang="zh-CN" altLang="en-US" sz="4800" b="1" dirty="0" smtClean="0">
-                <a:solidFill>
-                  <a:srgbClr val="000066"/>
-                </a:solidFill>
-                <a:latin typeface="微軟正黑體" pitchFamily="34" charset="-120"/>
-                <a:ea typeface="微軟正黑體" pitchFamily="34" charset="-120"/>
-              </a:rPr>
-              <a:t>大</a:t>
-            </a:r>
-            <a:r>
-              <a:rPr lang="zh-CN" altLang="en-US" sz="4800" b="1" dirty="0">
-                <a:solidFill>
-                  <a:srgbClr val="000066"/>
-                </a:solidFill>
-                <a:latin typeface="微軟正黑體" pitchFamily="34" charset="-120"/>
-                <a:ea typeface="微軟正黑體" pitchFamily="34" charset="-120"/>
-              </a:rPr>
-              <a:t>哉天地王</a:t>
-            </a:r>
-            <a:endParaRPr lang="zh-TW" altLang="en-US" sz="4800" b="1" dirty="0">
-              <a:solidFill>
-                <a:srgbClr val="000066"/>
-              </a:solidFill>
-              <a:latin typeface="微軟正黑體" pitchFamily="34" charset="-120"/>
-              <a:ea typeface="微軟正黑體" pitchFamily="34" charset="-120"/>
-            </a:endParaRPr>
-          </a:p>
-          <a:p>
-            <a:pPr algn="ctr">
-              <a:buNone/>
-            </a:pPr>
-            <a:endParaRPr lang="zh-TW" altLang="en-US" sz="4800" b="1" dirty="0">
-              <a:solidFill>
-                <a:srgbClr val="000066"/>
-              </a:solidFill>
-              <a:latin typeface="微軟正黑體" pitchFamily="34" charset="-120"/>
-              <a:ea typeface="微軟正黑體" pitchFamily="34" charset="-120"/>
-            </a:endParaRPr>
-          </a:p>
-        </p:txBody>
-      </p:sp>
-      <p:sp>
-        <p:nvSpPr>
-          <p:cNvPr id="5" name="TextBox 4"/>
-          <p:cNvSpPr txBox="1"/>
-          <p:nvPr/>
-        </p:nvSpPr>
-        <p:spPr>
-          <a:xfrm>
-            <a:off x="251520" y="1203598"/>
-            <a:ext cx="648072" cy="769441"/>
+            <a:off x="0" y="3795887"/>
+            <a:ext cx="9144000" cy="646331"/>
           </a:xfrm>
           <a:prstGeom prst="rect">
             <a:avLst/>
@@ -4008,41 +3517,40 @@
           </a:bodyPr>
           <a:lstStyle/>
           <a:p>
-            <a:r>
-              <a:rPr lang="en-US" altLang="zh-CN" sz="4400" b="1" dirty="0">
-                <a:solidFill>
-                  <a:srgbClr val="000066"/>
-                </a:solidFill>
-                <a:latin typeface="微軟正黑體" pitchFamily="34" charset="-120"/>
-                <a:ea typeface="微軟正黑體" pitchFamily="34" charset="-120"/>
+            <a:pPr algn="ctr"/>
+            <a:r>
+              <a:rPr lang="en-US" sz="3600" b="1" dirty="0">
+                <a:solidFill>
+                  <a:srgbClr val="660033"/>
+                </a:solidFill>
               </a:rPr>
-              <a:t>3</a:t>
-            </a:r>
-            <a:r>
-              <a:rPr lang="en-US" altLang="zh-CN" sz="4400" b="1" dirty="0" smtClean="0">
-                <a:solidFill>
-                  <a:srgbClr val="000066"/>
-                </a:solidFill>
-                <a:latin typeface="微軟正黑體" pitchFamily="34" charset="-120"/>
-                <a:ea typeface="微軟正黑體" pitchFamily="34" charset="-120"/>
-              </a:rPr>
-              <a:t>.</a:t>
-            </a:r>
-            <a:endParaRPr lang="en-US" sz="4400" b="1" dirty="0">
+              <a:t>( 1 )</a:t>
+            </a:r>
+            <a:endParaRPr lang="vi-VN" sz="3600" b="1" dirty="0">
               <a:solidFill>
-                <a:srgbClr val="000066"/>
+                <a:srgbClr val="660033"/>
               </a:solidFill>
-              <a:latin typeface="微軟正黑體" pitchFamily="34" charset="-120"/>
-              <a:ea typeface="微軟正黑體" pitchFamily="34" charset="-120"/>
             </a:endParaRPr>
           </a:p>
         </p:txBody>
       </p:sp>
     </p:spTree>
+    <p:extLst>
+      <p:ext uri="{BB962C8B-B14F-4D97-AF65-F5344CB8AC3E}">
+        <p14:creationId xmlns:p14="http://schemas.microsoft.com/office/powerpoint/2010/main" val="2198774599"/>
+      </p:ext>
+    </p:extLst>
   </p:cSld>
   <p:clrMapOvr>
     <a:masterClrMapping/>
   </p:clrMapOvr>
+  <p:timing>
+    <p:tnLst>
+      <p:par>
+        <p:cTn id="1" dur="indefinite" restart="never" nodeType="tmRoot"/>
+      </p:par>
+    </p:tnLst>
+  </p:timing>
 </p:sld>
 </file>
 
@@ -4065,270 +3573,94 @@
       </p:grpSpPr>
       <p:sp>
         <p:nvSpPr>
-          <p:cNvPr id="2" name="標題 1"/>
-          <p:cNvSpPr>
-            <a:spLocks noGrp="1"/>
-          </p:cNvSpPr>
-          <p:nvPr>
-            <p:ph type="title"/>
-          </p:nvPr>
-        </p:nvSpPr>
-        <p:spPr/>
-        <p:txBody>
-          <a:bodyPr>
+          <p:cNvPr id="5" name="內容版面配置區 4"/>
+          <p:cNvSpPr>
+            <a:spLocks noGrp="1"/>
+          </p:cNvSpPr>
+          <p:nvPr>
+            <p:ph idx="1"/>
+          </p:nvPr>
+        </p:nvSpPr>
+        <p:spPr>
+          <a:xfrm>
+            <a:off x="0" y="1563639"/>
+            <a:ext cx="9144000" cy="1803647"/>
+          </a:xfrm>
+        </p:spPr>
+        <p:txBody>
+          <a:bodyPr anchor="ctr">
             <a:normAutofit/>
           </a:bodyPr>
           <a:lstStyle/>
           <a:p>
-            <a:r>
-              <a:rPr lang="zh-CN" altLang="en-US" sz="4000" b="1" dirty="0">
-                <a:solidFill>
-                  <a:srgbClr val="000066"/>
-                </a:solidFill>
-                <a:latin typeface="微軟正黑體" pitchFamily="34" charset="-120"/>
-                <a:ea typeface="微軟正黑體" pitchFamily="34" charset="-120"/>
+            <a:pPr algn="ctr">
+              <a:buNone/>
+            </a:pPr>
+            <a:r>
+              <a:rPr lang="zh-TW" altLang="en-US" sz="4800" b="1" dirty="0">
+                <a:solidFill>
+                  <a:srgbClr val="660033"/>
+                </a:solidFill>
+                <a:latin typeface="Microsoft JhengHei" pitchFamily="34" charset="-120"/>
+                <a:ea typeface="Microsoft JhengHei" pitchFamily="34" charset="-120"/>
               </a:rPr>
-              <a:t>聖哉三一</a:t>
-            </a:r>
-            <a:endParaRPr lang="zh-TW" altLang="en-US" sz="4000" b="1" dirty="0">
+              <a:t>聖哉聖哉聖哉  聖徒虔崇拜</a:t>
+            </a:r>
+          </a:p>
+          <a:p>
+            <a:pPr algn="ctr">
+              <a:buNone/>
+            </a:pPr>
+            <a:r>
+              <a:rPr lang="zh-TW" altLang="en-US" sz="4800" b="1" dirty="0">
+                <a:solidFill>
+                  <a:srgbClr val="660033"/>
+                </a:solidFill>
+                <a:latin typeface="Microsoft JhengHei" pitchFamily="34" charset="-120"/>
+                <a:ea typeface="Microsoft JhengHei" pitchFamily="34" charset="-120"/>
+              </a:rPr>
+              <a:t>同將華麗金冠  放</a:t>
+            </a:r>
+            <a:r>
+              <a:rPr lang="zh-CN" altLang="en-US" sz="4800" b="1" dirty="0">
+                <a:solidFill>
+                  <a:srgbClr val="660033"/>
+                </a:solidFill>
+                <a:latin typeface="Microsoft JhengHei" pitchFamily="34" charset="-120"/>
+                <a:ea typeface="Microsoft JhengHei" pitchFamily="34" charset="-120"/>
+              </a:rPr>
+              <a:t>於</a:t>
+            </a:r>
+            <a:r>
+              <a:rPr lang="zh-TW" altLang="en-US" sz="4800" b="1" dirty="0">
+                <a:solidFill>
+                  <a:srgbClr val="660033"/>
+                </a:solidFill>
+                <a:latin typeface="Microsoft JhengHei" pitchFamily="34" charset="-120"/>
+                <a:ea typeface="Microsoft JhengHei" pitchFamily="34" charset="-120"/>
+              </a:rPr>
+              <a:t>寶座面前</a:t>
+            </a:r>
+            <a:endParaRPr lang="en-US" altLang="zh-TW" sz="4800" b="1" dirty="0">
               <a:solidFill>
-                <a:srgbClr val="000066"/>
+                <a:srgbClr val="660033"/>
               </a:solidFill>
-              <a:latin typeface="微軟正黑體" pitchFamily="34" charset="-120"/>
-              <a:ea typeface="微軟正黑體" pitchFamily="34" charset="-120"/>
+              <a:latin typeface="Microsoft JhengHei" pitchFamily="34" charset="-120"/>
+              <a:ea typeface="Microsoft JhengHei" pitchFamily="34" charset="-120"/>
             </a:endParaRPr>
           </a:p>
         </p:txBody>
       </p:sp>
       <p:sp>
         <p:nvSpPr>
-          <p:cNvPr id="4" name="內容版面配置區 3"/>
-          <p:cNvSpPr>
-            <a:spLocks noGrp="1"/>
-          </p:cNvSpPr>
-          <p:nvPr>
-            <p:ph idx="1"/>
-          </p:nvPr>
+          <p:cNvPr id="3" name="TextBox 2"/>
+          <p:cNvSpPr txBox="1"/>
+          <p:nvPr/>
         </p:nvSpPr>
         <p:spPr>
           <a:xfrm>
-            <a:off x="0" y="1200151"/>
-            <a:ext cx="9144000" cy="3394472"/>
-          </a:xfrm>
-        </p:spPr>
-        <p:txBody>
-          <a:bodyPr>
-            <a:noAutofit/>
-          </a:bodyPr>
-          <a:lstStyle/>
-          <a:p>
-            <a:pPr algn="ctr">
-              <a:buNone/>
-            </a:pPr>
-            <a:r>
-              <a:rPr lang="zh-TW" altLang="en-US" sz="4800" b="1" dirty="0">
-                <a:solidFill>
-                  <a:srgbClr val="000066"/>
-                </a:solidFill>
-                <a:latin typeface="微軟正黑體" pitchFamily="34" charset="-120"/>
-                <a:ea typeface="微軟正黑體" pitchFamily="34" charset="-120"/>
-              </a:rPr>
-              <a:t>聖哉聖哉聖</a:t>
-            </a:r>
-            <a:r>
-              <a:rPr lang="zh-TW" altLang="en-US" sz="4800" b="1" dirty="0" smtClean="0">
-                <a:solidFill>
-                  <a:srgbClr val="000066"/>
-                </a:solidFill>
-                <a:latin typeface="微軟正黑體" pitchFamily="34" charset="-120"/>
-                <a:ea typeface="微軟正黑體" pitchFamily="34" charset="-120"/>
-              </a:rPr>
-              <a:t>哉  全</a:t>
-            </a:r>
-            <a:r>
-              <a:rPr lang="zh-TW" altLang="en-US" sz="4800" b="1" dirty="0">
-                <a:solidFill>
-                  <a:srgbClr val="000066"/>
-                </a:solidFill>
-                <a:latin typeface="微軟正黑體" pitchFamily="34" charset="-120"/>
-                <a:ea typeface="微軟正黑體" pitchFamily="34" charset="-120"/>
-              </a:rPr>
-              <a:t>能大主宰</a:t>
-            </a:r>
-          </a:p>
-          <a:p>
-            <a:pPr algn="ctr">
-              <a:buNone/>
-            </a:pPr>
-            <a:r>
-              <a:rPr lang="zh-TW" altLang="en-US" sz="4800" b="1" dirty="0">
-                <a:solidFill>
-                  <a:srgbClr val="000066"/>
-                </a:solidFill>
-                <a:latin typeface="微軟正黑體" pitchFamily="34" charset="-120"/>
-                <a:ea typeface="微軟正黑體" pitchFamily="34" charset="-120"/>
-              </a:rPr>
-              <a:t>天上地下海</a:t>
-            </a:r>
-            <a:r>
-              <a:rPr lang="zh-TW" altLang="en-US" sz="4800" b="1" dirty="0" smtClean="0">
-                <a:solidFill>
-                  <a:srgbClr val="000066"/>
-                </a:solidFill>
-                <a:latin typeface="微軟正黑體" pitchFamily="34" charset="-120"/>
-                <a:ea typeface="微軟正黑體" pitchFamily="34" charset="-120"/>
-              </a:rPr>
-              <a:t>中  萬</a:t>
-            </a:r>
-            <a:r>
-              <a:rPr lang="zh-TW" altLang="en-US" sz="4800" b="1" dirty="0">
-                <a:solidFill>
-                  <a:srgbClr val="000066"/>
-                </a:solidFill>
-                <a:latin typeface="微軟正黑體" pitchFamily="34" charset="-120"/>
-                <a:ea typeface="微軟正黑體" pitchFamily="34" charset="-120"/>
-              </a:rPr>
-              <a:t>物頌主聖</a:t>
-            </a:r>
-            <a:r>
-              <a:rPr lang="zh-TW" altLang="en-US" sz="4800" b="1" dirty="0" smtClean="0">
-                <a:solidFill>
-                  <a:srgbClr val="000066"/>
-                </a:solidFill>
-                <a:latin typeface="微軟正黑體" pitchFamily="34" charset="-120"/>
-                <a:ea typeface="微軟正黑體" pitchFamily="34" charset="-120"/>
-              </a:rPr>
-              <a:t>名</a:t>
-            </a:r>
-            <a:endParaRPr lang="en-US" altLang="zh-TW" sz="4800" b="1" dirty="0" smtClean="0">
-              <a:solidFill>
-                <a:srgbClr val="000066"/>
-              </a:solidFill>
-              <a:latin typeface="微軟正黑體" pitchFamily="34" charset="-120"/>
-              <a:ea typeface="微軟正黑體" pitchFamily="34" charset="-120"/>
-            </a:endParaRPr>
-          </a:p>
-          <a:p>
-            <a:pPr algn="ctr">
-              <a:buNone/>
-            </a:pPr>
-            <a:r>
-              <a:rPr lang="zh-TW" altLang="en-US" sz="4800" b="1" dirty="0">
-                <a:solidFill>
-                  <a:srgbClr val="000066"/>
-                </a:solidFill>
-                <a:latin typeface="微軟正黑體" pitchFamily="34" charset="-120"/>
-                <a:ea typeface="微軟正黑體" pitchFamily="34" charset="-120"/>
-              </a:rPr>
-              <a:t>聖哉聖哉聖</a:t>
-            </a:r>
-            <a:r>
-              <a:rPr lang="zh-TW" altLang="en-US" sz="4800" b="1" dirty="0" smtClean="0">
-                <a:solidFill>
-                  <a:srgbClr val="000066"/>
-                </a:solidFill>
-                <a:latin typeface="微軟正黑體" pitchFamily="34" charset="-120"/>
-                <a:ea typeface="微軟正黑體" pitchFamily="34" charset="-120"/>
-              </a:rPr>
-              <a:t>哉  恩</a:t>
-            </a:r>
-            <a:r>
-              <a:rPr lang="zh-TW" altLang="en-US" sz="4800" b="1" dirty="0">
-                <a:solidFill>
-                  <a:srgbClr val="000066"/>
-                </a:solidFill>
-                <a:latin typeface="微軟正黑體" pitchFamily="34" charset="-120"/>
-                <a:ea typeface="微軟正黑體" pitchFamily="34" charset="-120"/>
-              </a:rPr>
-              <a:t>慈永無更改</a:t>
-            </a:r>
-          </a:p>
-          <a:p>
-            <a:pPr algn="ctr">
-              <a:buNone/>
-            </a:pPr>
-            <a:r>
-              <a:rPr lang="zh-CN" altLang="en-US" sz="4800" b="1" dirty="0">
-                <a:solidFill>
-                  <a:srgbClr val="000066"/>
-                </a:solidFill>
-                <a:latin typeface="微軟正黑體" pitchFamily="34" charset="-120"/>
-                <a:ea typeface="微軟正黑體" pitchFamily="34" charset="-120"/>
-              </a:rPr>
-              <a:t>三位一體</a:t>
-            </a:r>
-            <a:r>
-              <a:rPr lang="zh-CN" altLang="en-US" sz="4800" b="1" dirty="0" smtClean="0">
-                <a:solidFill>
-                  <a:srgbClr val="000066"/>
-                </a:solidFill>
-                <a:latin typeface="微軟正黑體" pitchFamily="34" charset="-120"/>
-                <a:ea typeface="微軟正黑體" pitchFamily="34" charset="-120"/>
-              </a:rPr>
-              <a:t>神</a:t>
-            </a:r>
-            <a:r>
-              <a:rPr lang="zh-TW" altLang="en-US" sz="4800" b="1" dirty="0" smtClean="0">
-                <a:solidFill>
-                  <a:srgbClr val="000066"/>
-                </a:solidFill>
-                <a:latin typeface="微軟正黑體" pitchFamily="34" charset="-120"/>
-                <a:ea typeface="微軟正黑體" pitchFamily="34" charset="-120"/>
-              </a:rPr>
-              <a:t>  </a:t>
-            </a:r>
-            <a:r>
-              <a:rPr lang="zh-CN" altLang="en-US" sz="4800" b="1" dirty="0" smtClean="0">
-                <a:solidFill>
-                  <a:srgbClr val="000066"/>
-                </a:solidFill>
-                <a:latin typeface="微軟正黑體" pitchFamily="34" charset="-120"/>
-                <a:ea typeface="微軟正黑體" pitchFamily="34" charset="-120"/>
-              </a:rPr>
-              <a:t>父</a:t>
-            </a:r>
-            <a:r>
-              <a:rPr lang="zh-CN" altLang="en-US" sz="4800" b="1" dirty="0">
-                <a:solidFill>
-                  <a:srgbClr val="000066"/>
-                </a:solidFill>
-                <a:latin typeface="微軟正黑體" pitchFamily="34" charset="-120"/>
-                <a:ea typeface="微軟正黑體" pitchFamily="34" charset="-120"/>
-              </a:rPr>
-              <a:t>子與聖靈</a:t>
-            </a:r>
-            <a:endParaRPr lang="zh-TW" altLang="en-US" sz="4800" b="1" dirty="0">
-              <a:solidFill>
-                <a:srgbClr val="000066"/>
-              </a:solidFill>
-              <a:latin typeface="微軟正黑體" pitchFamily="34" charset="-120"/>
-              <a:ea typeface="微軟正黑體" pitchFamily="34" charset="-120"/>
-            </a:endParaRPr>
-          </a:p>
-          <a:p>
-            <a:pPr algn="ctr">
-              <a:buNone/>
-            </a:pPr>
-            <a:endParaRPr lang="zh-TW" altLang="en-US" sz="4800" b="1" dirty="0">
-              <a:solidFill>
-                <a:srgbClr val="000066"/>
-              </a:solidFill>
-              <a:latin typeface="微軟正黑體" pitchFamily="34" charset="-120"/>
-              <a:ea typeface="微軟正黑體" pitchFamily="34" charset="-120"/>
-            </a:endParaRPr>
-          </a:p>
-        </p:txBody>
-      </p:sp>
-      <p:sp>
-        <p:nvSpPr>
-          <p:cNvPr id="5" name="TextBox 4"/>
-          <p:cNvSpPr txBox="1"/>
-          <p:nvPr/>
-        </p:nvSpPr>
-        <p:spPr>
-          <a:xfrm>
-            <a:off x="251520" y="1203598"/>
-            <a:ext cx="648072" cy="769441"/>
+            <a:off x="0" y="3795887"/>
+            <a:ext cx="9144000" cy="646331"/>
           </a:xfrm>
           <a:prstGeom prst="rect">
             <a:avLst/>
@@ -4341,41 +3673,753 @@
           </a:bodyPr>
           <a:lstStyle/>
           <a:p>
-            <a:r>
-              <a:rPr lang="en-US" altLang="zh-CN" sz="4400" b="1" dirty="0">
-                <a:solidFill>
-                  <a:srgbClr val="000066"/>
-                </a:solidFill>
-                <a:latin typeface="微軟正黑體" pitchFamily="34" charset="-120"/>
-                <a:ea typeface="微軟正黑體" pitchFamily="34" charset="-120"/>
+            <a:pPr algn="ctr"/>
+            <a:r>
+              <a:rPr lang="en-US" sz="3600" b="1" dirty="0">
+                <a:solidFill>
+                  <a:srgbClr val="660033"/>
+                </a:solidFill>
               </a:rPr>
-              <a:t>4</a:t>
-            </a:r>
-            <a:r>
-              <a:rPr lang="en-US" altLang="zh-CN" sz="4400" b="1" dirty="0" smtClean="0">
-                <a:solidFill>
-                  <a:srgbClr val="000066"/>
-                </a:solidFill>
-                <a:latin typeface="微軟正黑體" pitchFamily="34" charset="-120"/>
-                <a:ea typeface="微軟正黑體" pitchFamily="34" charset="-120"/>
-              </a:rPr>
-              <a:t>.</a:t>
-            </a:r>
-            <a:endParaRPr lang="en-US" sz="4400" b="1" dirty="0">
+              <a:t>( 2 )</a:t>
+            </a:r>
+            <a:endParaRPr lang="vi-VN" sz="3600" b="1" dirty="0">
               <a:solidFill>
-                <a:srgbClr val="000066"/>
+                <a:srgbClr val="660033"/>
               </a:solidFill>
-              <a:latin typeface="微軟正黑體" pitchFamily="34" charset="-120"/>
-              <a:ea typeface="微軟正黑體" pitchFamily="34" charset="-120"/>
             </a:endParaRPr>
           </a:p>
         </p:txBody>
       </p:sp>
     </p:spTree>
+    <p:extLst>
+      <p:ext uri="{BB962C8B-B14F-4D97-AF65-F5344CB8AC3E}">
+        <p14:creationId xmlns:p14="http://schemas.microsoft.com/office/powerpoint/2010/main" val="3293570321"/>
+      </p:ext>
+    </p:extLst>
   </p:cSld>
   <p:clrMapOvr>
     <a:masterClrMapping/>
   </p:clrMapOvr>
+  <p:timing>
+    <p:tnLst>
+      <p:par>
+        <p:cTn id="1" dur="indefinite" restart="never" nodeType="tmRoot"/>
+      </p:par>
+    </p:tnLst>
+  </p:timing>
+</p:sld>
+</file>
+
+<file path=ppt/slides/slide5.xml><?xml version="1.0" encoding="utf-8"?>
+<p:sld xmlns:a="http://schemas.openxmlformats.org/drawingml/2006/main" xmlns:r="http://schemas.openxmlformats.org/officeDocument/2006/relationships" xmlns:p="http://schemas.openxmlformats.org/presentationml/2006/main">
+  <p:cSld>
+    <p:spTree>
+      <p:nvGrpSpPr>
+        <p:cNvPr id="1" name=""/>
+        <p:cNvGrpSpPr/>
+        <p:nvPr/>
+      </p:nvGrpSpPr>
+      <p:grpSpPr>
+        <a:xfrm>
+          <a:off x="0" y="0"/>
+          <a:ext cx="0" cy="0"/>
+          <a:chOff x="0" y="0"/>
+          <a:chExt cx="0" cy="0"/>
+        </a:xfrm>
+      </p:grpSpPr>
+      <p:sp>
+        <p:nvSpPr>
+          <p:cNvPr id="5" name="內容版面配置區 4"/>
+          <p:cNvSpPr>
+            <a:spLocks noGrp="1"/>
+          </p:cNvSpPr>
+          <p:nvPr>
+            <p:ph idx="1"/>
+          </p:nvPr>
+        </p:nvSpPr>
+        <p:spPr>
+          <a:xfrm>
+            <a:off x="0" y="1563639"/>
+            <a:ext cx="9144000" cy="1803647"/>
+          </a:xfrm>
+        </p:spPr>
+        <p:txBody>
+          <a:bodyPr anchor="ctr">
+            <a:normAutofit/>
+          </a:bodyPr>
+          <a:lstStyle/>
+          <a:p>
+            <a:pPr algn="ctr">
+              <a:buNone/>
+            </a:pPr>
+            <a:r>
+              <a:rPr lang="zh-TW" altLang="en-US" sz="4800" b="1" dirty="0">
+                <a:solidFill>
+                  <a:srgbClr val="660033"/>
+                </a:solidFill>
+                <a:latin typeface="Microsoft JhengHei" pitchFamily="34" charset="-120"/>
+                <a:ea typeface="Microsoft JhengHei" pitchFamily="34" charset="-120"/>
+              </a:rPr>
+              <a:t>基路冰西拉冰  也敬拜全能者</a:t>
+            </a:r>
+          </a:p>
+          <a:p>
+            <a:pPr algn="ctr">
+              <a:buNone/>
+            </a:pPr>
+            <a:r>
+              <a:rPr lang="zh-TW" altLang="en-US" sz="4800" b="1" dirty="0">
+                <a:solidFill>
+                  <a:srgbClr val="660033"/>
+                </a:solidFill>
+                <a:latin typeface="Microsoft JhengHei" pitchFamily="34" charset="-120"/>
+                <a:ea typeface="Microsoft JhengHei" pitchFamily="34" charset="-120"/>
+              </a:rPr>
+              <a:t>昔在而今在  永在萬萬年</a:t>
+            </a:r>
+          </a:p>
+        </p:txBody>
+      </p:sp>
+      <p:sp>
+        <p:nvSpPr>
+          <p:cNvPr id="3" name="TextBox 2"/>
+          <p:cNvSpPr txBox="1"/>
+          <p:nvPr/>
+        </p:nvSpPr>
+        <p:spPr>
+          <a:xfrm>
+            <a:off x="0" y="3795887"/>
+            <a:ext cx="9144000" cy="646331"/>
+          </a:xfrm>
+          <a:prstGeom prst="rect">
+            <a:avLst/>
+          </a:prstGeom>
+          <a:noFill/>
+        </p:spPr>
+        <p:txBody>
+          <a:bodyPr wrap="square" rtlCol="0">
+            <a:spAutoFit/>
+          </a:bodyPr>
+          <a:lstStyle/>
+          <a:p>
+            <a:pPr algn="ctr"/>
+            <a:r>
+              <a:rPr lang="en-US" sz="3600" b="1" dirty="0">
+                <a:solidFill>
+                  <a:srgbClr val="660033"/>
+                </a:solidFill>
+              </a:rPr>
+              <a:t>( 2 )</a:t>
+            </a:r>
+            <a:endParaRPr lang="vi-VN" sz="3600" b="1" dirty="0">
+              <a:solidFill>
+                <a:srgbClr val="660033"/>
+              </a:solidFill>
+            </a:endParaRPr>
+          </a:p>
+        </p:txBody>
+      </p:sp>
+    </p:spTree>
+    <p:extLst>
+      <p:ext uri="{BB962C8B-B14F-4D97-AF65-F5344CB8AC3E}">
+        <p14:creationId xmlns:p14="http://schemas.microsoft.com/office/powerpoint/2010/main" val="329448570"/>
+      </p:ext>
+    </p:extLst>
+  </p:cSld>
+  <p:clrMapOvr>
+    <a:masterClrMapping/>
+  </p:clrMapOvr>
+  <p:timing>
+    <p:tnLst>
+      <p:par>
+        <p:cTn id="1" dur="indefinite" restart="never" nodeType="tmRoot"/>
+      </p:par>
+    </p:tnLst>
+  </p:timing>
+</p:sld>
+</file>
+
+<file path=ppt/slides/slide6.xml><?xml version="1.0" encoding="utf-8"?>
+<p:sld xmlns:a="http://schemas.openxmlformats.org/drawingml/2006/main" xmlns:r="http://schemas.openxmlformats.org/officeDocument/2006/relationships" xmlns:p="http://schemas.openxmlformats.org/presentationml/2006/main">
+  <p:cSld>
+    <p:spTree>
+      <p:nvGrpSpPr>
+        <p:cNvPr id="1" name=""/>
+        <p:cNvGrpSpPr/>
+        <p:nvPr/>
+      </p:nvGrpSpPr>
+      <p:grpSpPr>
+        <a:xfrm>
+          <a:off x="0" y="0"/>
+          <a:ext cx="0" cy="0"/>
+          <a:chOff x="0" y="0"/>
+          <a:chExt cx="0" cy="0"/>
+        </a:xfrm>
+      </p:grpSpPr>
+      <p:sp>
+        <p:nvSpPr>
+          <p:cNvPr id="5" name="內容版面配置區 4"/>
+          <p:cNvSpPr>
+            <a:spLocks noGrp="1"/>
+          </p:cNvSpPr>
+          <p:nvPr>
+            <p:ph idx="1"/>
+          </p:nvPr>
+        </p:nvSpPr>
+        <p:spPr>
+          <a:xfrm>
+            <a:off x="0" y="1563639"/>
+            <a:ext cx="9144000" cy="1803647"/>
+          </a:xfrm>
+        </p:spPr>
+        <p:txBody>
+          <a:bodyPr anchor="ctr">
+            <a:normAutofit/>
+          </a:bodyPr>
+          <a:lstStyle/>
+          <a:p>
+            <a:pPr algn="ctr">
+              <a:buNone/>
+            </a:pPr>
+            <a:r>
+              <a:rPr lang="zh-TW" altLang="en-US" sz="4800" b="1" dirty="0">
+                <a:solidFill>
+                  <a:srgbClr val="660033"/>
+                </a:solidFill>
+                <a:latin typeface="Microsoft JhengHei" pitchFamily="34" charset="-120"/>
+                <a:ea typeface="Microsoft JhengHei" pitchFamily="34" charset="-120"/>
+              </a:rPr>
+              <a:t>聖哉聖哉聖哉  主藏彩雲裡</a:t>
+            </a:r>
+          </a:p>
+          <a:p>
+            <a:pPr algn="ctr">
+              <a:buNone/>
+            </a:pPr>
+            <a:r>
+              <a:rPr lang="zh-TW" altLang="en-US" sz="4800" b="1" dirty="0">
+                <a:solidFill>
+                  <a:srgbClr val="660033"/>
+                </a:solidFill>
+                <a:latin typeface="Microsoft JhengHei" pitchFamily="34" charset="-120"/>
+                <a:ea typeface="Microsoft JhengHei" pitchFamily="34" charset="-120"/>
+              </a:rPr>
+              <a:t>罪人何得目見  真主威嚴榮光</a:t>
+            </a:r>
+            <a:endParaRPr lang="en-US" altLang="zh-TW" sz="4800" b="1" dirty="0">
+              <a:solidFill>
+                <a:srgbClr val="660033"/>
+              </a:solidFill>
+              <a:latin typeface="Microsoft JhengHei" pitchFamily="34" charset="-120"/>
+              <a:ea typeface="Microsoft JhengHei" pitchFamily="34" charset="-120"/>
+            </a:endParaRPr>
+          </a:p>
+        </p:txBody>
+      </p:sp>
+      <p:sp>
+        <p:nvSpPr>
+          <p:cNvPr id="3" name="TextBox 2"/>
+          <p:cNvSpPr txBox="1"/>
+          <p:nvPr/>
+        </p:nvSpPr>
+        <p:spPr>
+          <a:xfrm>
+            <a:off x="0" y="3795887"/>
+            <a:ext cx="9144000" cy="646331"/>
+          </a:xfrm>
+          <a:prstGeom prst="rect">
+            <a:avLst/>
+          </a:prstGeom>
+          <a:noFill/>
+        </p:spPr>
+        <p:txBody>
+          <a:bodyPr wrap="square" rtlCol="0">
+            <a:spAutoFit/>
+          </a:bodyPr>
+          <a:lstStyle/>
+          <a:p>
+            <a:pPr algn="ctr"/>
+            <a:r>
+              <a:rPr lang="en-US" sz="3600" b="1" dirty="0">
+                <a:solidFill>
+                  <a:srgbClr val="660033"/>
+                </a:solidFill>
+              </a:rPr>
+              <a:t>( 3 )</a:t>
+            </a:r>
+            <a:endParaRPr lang="vi-VN" sz="3600" b="1" dirty="0">
+              <a:solidFill>
+                <a:srgbClr val="660033"/>
+              </a:solidFill>
+            </a:endParaRPr>
+          </a:p>
+        </p:txBody>
+      </p:sp>
+    </p:spTree>
+    <p:extLst>
+      <p:ext uri="{BB962C8B-B14F-4D97-AF65-F5344CB8AC3E}">
+        <p14:creationId xmlns:p14="http://schemas.microsoft.com/office/powerpoint/2010/main" val="2130045024"/>
+      </p:ext>
+    </p:extLst>
+  </p:cSld>
+  <p:clrMapOvr>
+    <a:masterClrMapping/>
+  </p:clrMapOvr>
+  <p:timing>
+    <p:tnLst>
+      <p:par>
+        <p:cTn id="1" dur="indefinite" restart="never" nodeType="tmRoot"/>
+      </p:par>
+    </p:tnLst>
+  </p:timing>
+</p:sld>
+</file>
+
+<file path=ppt/slides/slide7.xml><?xml version="1.0" encoding="utf-8"?>
+<p:sld xmlns:a="http://schemas.openxmlformats.org/drawingml/2006/main" xmlns:r="http://schemas.openxmlformats.org/officeDocument/2006/relationships" xmlns:p="http://schemas.openxmlformats.org/presentationml/2006/main">
+  <p:cSld>
+    <p:spTree>
+      <p:nvGrpSpPr>
+        <p:cNvPr id="1" name=""/>
+        <p:cNvGrpSpPr/>
+        <p:nvPr/>
+      </p:nvGrpSpPr>
+      <p:grpSpPr>
+        <a:xfrm>
+          <a:off x="0" y="0"/>
+          <a:ext cx="0" cy="0"/>
+          <a:chOff x="0" y="0"/>
+          <a:chExt cx="0" cy="0"/>
+        </a:xfrm>
+      </p:grpSpPr>
+      <p:sp>
+        <p:nvSpPr>
+          <p:cNvPr id="5" name="內容版面配置區 4"/>
+          <p:cNvSpPr>
+            <a:spLocks noGrp="1"/>
+          </p:cNvSpPr>
+          <p:nvPr>
+            <p:ph idx="1"/>
+          </p:nvPr>
+        </p:nvSpPr>
+        <p:spPr>
+          <a:xfrm>
+            <a:off x="0" y="1563639"/>
+            <a:ext cx="9144000" cy="1803647"/>
+          </a:xfrm>
+        </p:spPr>
+        <p:txBody>
+          <a:bodyPr anchor="ctr">
+            <a:normAutofit/>
+          </a:bodyPr>
+          <a:lstStyle/>
+          <a:p>
+            <a:pPr algn="ctr">
+              <a:buNone/>
+            </a:pPr>
+            <a:r>
+              <a:rPr lang="zh-TW" altLang="en-US" sz="4800" b="1" dirty="0">
+                <a:solidFill>
+                  <a:srgbClr val="660033"/>
+                </a:solidFill>
+                <a:latin typeface="Microsoft JhengHei" pitchFamily="34" charset="-120"/>
+                <a:ea typeface="Microsoft JhengHei" pitchFamily="34" charset="-120"/>
+              </a:rPr>
+              <a:t>惟耶和華至聖  誰能與主比擬</a:t>
+            </a:r>
+          </a:p>
+          <a:p>
+            <a:pPr algn="ctr">
+              <a:buNone/>
+            </a:pPr>
+            <a:r>
+              <a:rPr lang="zh-CN" altLang="en-US" sz="4800" b="1" dirty="0">
+                <a:solidFill>
+                  <a:srgbClr val="660033"/>
+                </a:solidFill>
+                <a:latin typeface="Microsoft JhengHei" pitchFamily="34" charset="-120"/>
+                <a:ea typeface="Microsoft JhengHei" pitchFamily="34" charset="-120"/>
+              </a:rPr>
+              <a:t>智仁勇全備</a:t>
+            </a:r>
+            <a:r>
+              <a:rPr lang="zh-TW" altLang="en-US" sz="4800" b="1" dirty="0">
+                <a:solidFill>
+                  <a:srgbClr val="660033"/>
+                </a:solidFill>
+                <a:latin typeface="Microsoft JhengHei" pitchFamily="34" charset="-120"/>
+                <a:ea typeface="Microsoft JhengHei" pitchFamily="34" charset="-120"/>
+              </a:rPr>
+              <a:t>  </a:t>
+            </a:r>
+            <a:r>
+              <a:rPr lang="zh-CN" altLang="en-US" sz="4800" b="1" dirty="0">
+                <a:solidFill>
+                  <a:srgbClr val="660033"/>
+                </a:solidFill>
+                <a:latin typeface="Microsoft JhengHei" pitchFamily="34" charset="-120"/>
+                <a:ea typeface="Microsoft JhengHei" pitchFamily="34" charset="-120"/>
+              </a:rPr>
+              <a:t>大哉天地王</a:t>
+            </a:r>
+            <a:endParaRPr lang="zh-TW" altLang="en-US" sz="4800" b="1" dirty="0">
+              <a:solidFill>
+                <a:srgbClr val="660033"/>
+              </a:solidFill>
+              <a:latin typeface="Microsoft JhengHei" pitchFamily="34" charset="-120"/>
+              <a:ea typeface="Microsoft JhengHei" pitchFamily="34" charset="-120"/>
+            </a:endParaRPr>
+          </a:p>
+        </p:txBody>
+      </p:sp>
+      <p:sp>
+        <p:nvSpPr>
+          <p:cNvPr id="3" name="TextBox 2"/>
+          <p:cNvSpPr txBox="1"/>
+          <p:nvPr/>
+        </p:nvSpPr>
+        <p:spPr>
+          <a:xfrm>
+            <a:off x="0" y="3795887"/>
+            <a:ext cx="9144000" cy="646331"/>
+          </a:xfrm>
+          <a:prstGeom prst="rect">
+            <a:avLst/>
+          </a:prstGeom>
+          <a:noFill/>
+        </p:spPr>
+        <p:txBody>
+          <a:bodyPr wrap="square" rtlCol="0">
+            <a:spAutoFit/>
+          </a:bodyPr>
+          <a:lstStyle/>
+          <a:p>
+            <a:pPr algn="ctr"/>
+            <a:r>
+              <a:rPr lang="en-US" sz="3600" b="1" dirty="0">
+                <a:solidFill>
+                  <a:srgbClr val="660033"/>
+                </a:solidFill>
+              </a:rPr>
+              <a:t>( 3 )</a:t>
+            </a:r>
+            <a:endParaRPr lang="vi-VN" sz="3600" b="1" dirty="0">
+              <a:solidFill>
+                <a:srgbClr val="660033"/>
+              </a:solidFill>
+            </a:endParaRPr>
+          </a:p>
+        </p:txBody>
+      </p:sp>
+    </p:spTree>
+    <p:extLst>
+      <p:ext uri="{BB962C8B-B14F-4D97-AF65-F5344CB8AC3E}">
+        <p14:creationId xmlns:p14="http://schemas.microsoft.com/office/powerpoint/2010/main" val="3051879541"/>
+      </p:ext>
+    </p:extLst>
+  </p:cSld>
+  <p:clrMapOvr>
+    <a:masterClrMapping/>
+  </p:clrMapOvr>
+  <p:timing>
+    <p:tnLst>
+      <p:par>
+        <p:cTn id="1" dur="indefinite" restart="never" nodeType="tmRoot"/>
+      </p:par>
+    </p:tnLst>
+  </p:timing>
+</p:sld>
+</file>
+
+<file path=ppt/slides/slide8.xml><?xml version="1.0" encoding="utf-8"?>
+<p:sld xmlns:a="http://schemas.openxmlformats.org/drawingml/2006/main" xmlns:r="http://schemas.openxmlformats.org/officeDocument/2006/relationships" xmlns:p="http://schemas.openxmlformats.org/presentationml/2006/main">
+  <p:cSld>
+    <p:spTree>
+      <p:nvGrpSpPr>
+        <p:cNvPr id="1" name=""/>
+        <p:cNvGrpSpPr/>
+        <p:nvPr/>
+      </p:nvGrpSpPr>
+      <p:grpSpPr>
+        <a:xfrm>
+          <a:off x="0" y="0"/>
+          <a:ext cx="0" cy="0"/>
+          <a:chOff x="0" y="0"/>
+          <a:chExt cx="0" cy="0"/>
+        </a:xfrm>
+      </p:grpSpPr>
+      <p:sp>
+        <p:nvSpPr>
+          <p:cNvPr id="5" name="內容版面配置區 4"/>
+          <p:cNvSpPr>
+            <a:spLocks noGrp="1"/>
+          </p:cNvSpPr>
+          <p:nvPr>
+            <p:ph idx="1"/>
+          </p:nvPr>
+        </p:nvSpPr>
+        <p:spPr>
+          <a:xfrm>
+            <a:off x="0" y="1563639"/>
+            <a:ext cx="9144000" cy="1803647"/>
+          </a:xfrm>
+        </p:spPr>
+        <p:txBody>
+          <a:bodyPr anchor="ctr">
+            <a:normAutofit/>
+          </a:bodyPr>
+          <a:lstStyle/>
+          <a:p>
+            <a:pPr algn="ctr">
+              <a:buNone/>
+            </a:pPr>
+            <a:r>
+              <a:rPr lang="zh-TW" altLang="en-US" sz="4800" b="1" dirty="0">
+                <a:solidFill>
+                  <a:srgbClr val="660033"/>
+                </a:solidFill>
+                <a:latin typeface="Microsoft JhengHei" pitchFamily="34" charset="-120"/>
+                <a:ea typeface="Microsoft JhengHei" pitchFamily="34" charset="-120"/>
+              </a:rPr>
+              <a:t>聖哉聖哉聖哉  全能大主宰</a:t>
+            </a:r>
+          </a:p>
+          <a:p>
+            <a:pPr algn="ctr">
+              <a:buNone/>
+            </a:pPr>
+            <a:r>
+              <a:rPr lang="zh-TW" altLang="en-US" sz="4800" b="1" dirty="0">
+                <a:solidFill>
+                  <a:srgbClr val="660033"/>
+                </a:solidFill>
+                <a:latin typeface="Microsoft JhengHei" pitchFamily="34" charset="-120"/>
+                <a:ea typeface="Microsoft JhengHei" pitchFamily="34" charset="-120"/>
+              </a:rPr>
+              <a:t>天上地下海中  萬物頌主聖名</a:t>
+            </a:r>
+            <a:endParaRPr lang="en-US" altLang="zh-TW" sz="4800" b="1" dirty="0">
+              <a:solidFill>
+                <a:srgbClr val="660033"/>
+              </a:solidFill>
+              <a:latin typeface="Microsoft JhengHei" pitchFamily="34" charset="-120"/>
+              <a:ea typeface="Microsoft JhengHei" pitchFamily="34" charset="-120"/>
+            </a:endParaRPr>
+          </a:p>
+        </p:txBody>
+      </p:sp>
+      <p:sp>
+        <p:nvSpPr>
+          <p:cNvPr id="3" name="TextBox 2"/>
+          <p:cNvSpPr txBox="1"/>
+          <p:nvPr/>
+        </p:nvSpPr>
+        <p:spPr>
+          <a:xfrm>
+            <a:off x="0" y="3795887"/>
+            <a:ext cx="9144000" cy="646331"/>
+          </a:xfrm>
+          <a:prstGeom prst="rect">
+            <a:avLst/>
+          </a:prstGeom>
+          <a:noFill/>
+        </p:spPr>
+        <p:txBody>
+          <a:bodyPr wrap="square" rtlCol="0">
+            <a:spAutoFit/>
+          </a:bodyPr>
+          <a:lstStyle/>
+          <a:p>
+            <a:pPr algn="ctr"/>
+            <a:r>
+              <a:rPr lang="en-US" sz="3600" b="1" dirty="0">
+                <a:solidFill>
+                  <a:srgbClr val="660033"/>
+                </a:solidFill>
+              </a:rPr>
+              <a:t>( 4 )</a:t>
+            </a:r>
+            <a:endParaRPr lang="vi-VN" sz="3600" b="1" dirty="0">
+              <a:solidFill>
+                <a:srgbClr val="660033"/>
+              </a:solidFill>
+            </a:endParaRPr>
+          </a:p>
+        </p:txBody>
+      </p:sp>
+    </p:spTree>
+    <p:extLst>
+      <p:ext uri="{BB962C8B-B14F-4D97-AF65-F5344CB8AC3E}">
+        <p14:creationId xmlns:p14="http://schemas.microsoft.com/office/powerpoint/2010/main" val="2097388585"/>
+      </p:ext>
+    </p:extLst>
+  </p:cSld>
+  <p:clrMapOvr>
+    <a:masterClrMapping/>
+  </p:clrMapOvr>
+  <p:timing>
+    <p:tnLst>
+      <p:par>
+        <p:cTn id="1" dur="indefinite" restart="never" nodeType="tmRoot"/>
+      </p:par>
+    </p:tnLst>
+  </p:timing>
+</p:sld>
+</file>
+
+<file path=ppt/slides/slide9.xml><?xml version="1.0" encoding="utf-8"?>
+<p:sld xmlns:a="http://schemas.openxmlformats.org/drawingml/2006/main" xmlns:r="http://schemas.openxmlformats.org/officeDocument/2006/relationships" xmlns:p="http://schemas.openxmlformats.org/presentationml/2006/main">
+  <p:cSld>
+    <p:spTree>
+      <p:nvGrpSpPr>
+        <p:cNvPr id="1" name=""/>
+        <p:cNvGrpSpPr/>
+        <p:nvPr/>
+      </p:nvGrpSpPr>
+      <p:grpSpPr>
+        <a:xfrm>
+          <a:off x="0" y="0"/>
+          <a:ext cx="0" cy="0"/>
+          <a:chOff x="0" y="0"/>
+          <a:chExt cx="0" cy="0"/>
+        </a:xfrm>
+      </p:grpSpPr>
+      <p:sp>
+        <p:nvSpPr>
+          <p:cNvPr id="5" name="內容版面配置區 4"/>
+          <p:cNvSpPr>
+            <a:spLocks noGrp="1"/>
+          </p:cNvSpPr>
+          <p:nvPr>
+            <p:ph idx="1"/>
+          </p:nvPr>
+        </p:nvSpPr>
+        <p:spPr>
+          <a:xfrm>
+            <a:off x="0" y="1563639"/>
+            <a:ext cx="9144000" cy="1803647"/>
+          </a:xfrm>
+        </p:spPr>
+        <p:txBody>
+          <a:bodyPr anchor="ctr">
+            <a:normAutofit/>
+          </a:bodyPr>
+          <a:lstStyle/>
+          <a:p>
+            <a:pPr algn="ctr">
+              <a:buNone/>
+            </a:pPr>
+            <a:r>
+              <a:rPr lang="zh-TW" altLang="en-US" sz="4800" b="1" dirty="0">
+                <a:solidFill>
+                  <a:srgbClr val="660033"/>
+                </a:solidFill>
+                <a:latin typeface="Microsoft JhengHei" pitchFamily="34" charset="-120"/>
+                <a:ea typeface="Microsoft JhengHei" pitchFamily="34" charset="-120"/>
+              </a:rPr>
+              <a:t>聖哉聖哉聖哉  恩慈永無更改</a:t>
+            </a:r>
+          </a:p>
+          <a:p>
+            <a:pPr algn="ctr">
+              <a:buNone/>
+            </a:pPr>
+            <a:r>
+              <a:rPr lang="zh-CN" altLang="en-US" sz="4800" b="1" dirty="0">
+                <a:solidFill>
+                  <a:srgbClr val="660033"/>
+                </a:solidFill>
+                <a:latin typeface="Microsoft JhengHei" pitchFamily="34" charset="-120"/>
+                <a:ea typeface="Microsoft JhengHei" pitchFamily="34" charset="-120"/>
+              </a:rPr>
+              <a:t>三位一體神</a:t>
+            </a:r>
+            <a:r>
+              <a:rPr lang="zh-TW" altLang="en-US" sz="4800" b="1" dirty="0">
+                <a:solidFill>
+                  <a:srgbClr val="660033"/>
+                </a:solidFill>
+                <a:latin typeface="Microsoft JhengHei" pitchFamily="34" charset="-120"/>
+                <a:ea typeface="Microsoft JhengHei" pitchFamily="34" charset="-120"/>
+              </a:rPr>
+              <a:t>  </a:t>
+            </a:r>
+            <a:r>
+              <a:rPr lang="zh-CN" altLang="en-US" sz="4800" b="1" dirty="0">
+                <a:solidFill>
+                  <a:srgbClr val="660033"/>
+                </a:solidFill>
+                <a:latin typeface="Microsoft JhengHei" pitchFamily="34" charset="-120"/>
+                <a:ea typeface="Microsoft JhengHei" pitchFamily="34" charset="-120"/>
+              </a:rPr>
+              <a:t>父子與聖靈</a:t>
+            </a:r>
+            <a:endParaRPr lang="zh-TW" altLang="en-US" sz="4800" b="1" dirty="0">
+              <a:solidFill>
+                <a:srgbClr val="660033"/>
+              </a:solidFill>
+              <a:latin typeface="Microsoft JhengHei" pitchFamily="34" charset="-120"/>
+              <a:ea typeface="Microsoft JhengHei" pitchFamily="34" charset="-120"/>
+            </a:endParaRPr>
+          </a:p>
+        </p:txBody>
+      </p:sp>
+      <p:sp>
+        <p:nvSpPr>
+          <p:cNvPr id="3" name="TextBox 2"/>
+          <p:cNvSpPr txBox="1"/>
+          <p:nvPr/>
+        </p:nvSpPr>
+        <p:spPr>
+          <a:xfrm>
+            <a:off x="0" y="3795887"/>
+            <a:ext cx="9144000" cy="646331"/>
+          </a:xfrm>
+          <a:prstGeom prst="rect">
+            <a:avLst/>
+          </a:prstGeom>
+          <a:noFill/>
+        </p:spPr>
+        <p:txBody>
+          <a:bodyPr wrap="square" rtlCol="0">
+            <a:spAutoFit/>
+          </a:bodyPr>
+          <a:lstStyle/>
+          <a:p>
+            <a:pPr algn="ctr"/>
+            <a:r>
+              <a:rPr lang="en-US" sz="3600" b="1" dirty="0">
+                <a:solidFill>
+                  <a:srgbClr val="660033"/>
+                </a:solidFill>
+              </a:rPr>
+              <a:t>( 4 )</a:t>
+            </a:r>
+            <a:endParaRPr lang="vi-VN" sz="3600" b="1" dirty="0">
+              <a:solidFill>
+                <a:srgbClr val="660033"/>
+              </a:solidFill>
+            </a:endParaRPr>
+          </a:p>
+        </p:txBody>
+      </p:sp>
+    </p:spTree>
+    <p:extLst>
+      <p:ext uri="{BB962C8B-B14F-4D97-AF65-F5344CB8AC3E}">
+        <p14:creationId xmlns:p14="http://schemas.microsoft.com/office/powerpoint/2010/main" val="1399120221"/>
+      </p:ext>
+    </p:extLst>
+  </p:cSld>
+  <p:clrMapOvr>
+    <a:masterClrMapping/>
+  </p:clrMapOvr>
+  <p:timing>
+    <p:tnLst>
+      <p:par>
+        <p:cTn id="1" dur="indefinite" restart="never" nodeType="tmRoot"/>
+      </p:par>
+    </p:tnLst>
+  </p:timing>
 </p:sld>
 </file>
 

--- a/宣道詩/(宣道詩2)聖哉三一.pptx
+++ b/宣道詩/(宣道詩2)聖哉三一.pptx
@@ -313,7 +313,7 @@
             <a:fld id="{4A963B18-8CE0-498D-8805-C7189D3CCDF2}" type="datetimeFigureOut">
               <a:rPr lang="zh-TW" altLang="en-US" smtClean="0"/>
               <a:pPr/>
-              <a:t>2021/6/24</a:t>
+              <a:t>2022/7/1</a:t>
             </a:fld>
             <a:endParaRPr lang="zh-TW" altLang="en-US"/>
           </a:p>
@@ -480,7 +480,7 @@
             <a:fld id="{4A963B18-8CE0-498D-8805-C7189D3CCDF2}" type="datetimeFigureOut">
               <a:rPr lang="zh-TW" altLang="en-US" smtClean="0"/>
               <a:pPr/>
-              <a:t>2021/6/24</a:t>
+              <a:t>2022/7/1</a:t>
             </a:fld>
             <a:endParaRPr lang="zh-TW" altLang="en-US"/>
           </a:p>
@@ -657,7 +657,7 @@
             <a:fld id="{4A963B18-8CE0-498D-8805-C7189D3CCDF2}" type="datetimeFigureOut">
               <a:rPr lang="zh-TW" altLang="en-US" smtClean="0"/>
               <a:pPr/>
-              <a:t>2021/6/24</a:t>
+              <a:t>2022/7/1</a:t>
             </a:fld>
             <a:endParaRPr lang="zh-TW" altLang="en-US"/>
           </a:p>
@@ -824,7 +824,7 @@
             <a:fld id="{4A963B18-8CE0-498D-8805-C7189D3CCDF2}" type="datetimeFigureOut">
               <a:rPr lang="zh-TW" altLang="en-US" smtClean="0"/>
               <a:pPr/>
-              <a:t>2021/6/24</a:t>
+              <a:t>2022/7/1</a:t>
             </a:fld>
             <a:endParaRPr lang="zh-TW" altLang="en-US"/>
           </a:p>
@@ -1067,7 +1067,7 @@
             <a:fld id="{4A963B18-8CE0-498D-8805-C7189D3CCDF2}" type="datetimeFigureOut">
               <a:rPr lang="zh-TW" altLang="en-US" smtClean="0"/>
               <a:pPr/>
-              <a:t>2021/6/24</a:t>
+              <a:t>2022/7/1</a:t>
             </a:fld>
             <a:endParaRPr lang="zh-TW" altLang="en-US"/>
           </a:p>
@@ -1352,7 +1352,7 @@
             <a:fld id="{4A963B18-8CE0-498D-8805-C7189D3CCDF2}" type="datetimeFigureOut">
               <a:rPr lang="zh-TW" altLang="en-US" smtClean="0"/>
               <a:pPr/>
-              <a:t>2021/6/24</a:t>
+              <a:t>2022/7/1</a:t>
             </a:fld>
             <a:endParaRPr lang="zh-TW" altLang="en-US"/>
           </a:p>
@@ -1771,7 +1771,7 @@
             <a:fld id="{4A963B18-8CE0-498D-8805-C7189D3CCDF2}" type="datetimeFigureOut">
               <a:rPr lang="zh-TW" altLang="en-US" smtClean="0"/>
               <a:pPr/>
-              <a:t>2021/6/24</a:t>
+              <a:t>2022/7/1</a:t>
             </a:fld>
             <a:endParaRPr lang="zh-TW" altLang="en-US"/>
           </a:p>
@@ -1886,7 +1886,7 @@
             <a:fld id="{4A963B18-8CE0-498D-8805-C7189D3CCDF2}" type="datetimeFigureOut">
               <a:rPr lang="zh-TW" altLang="en-US" smtClean="0"/>
               <a:pPr/>
-              <a:t>2021/6/24</a:t>
+              <a:t>2022/7/1</a:t>
             </a:fld>
             <a:endParaRPr lang="zh-TW" altLang="en-US"/>
           </a:p>
@@ -1978,7 +1978,7 @@
             <a:fld id="{4A963B18-8CE0-498D-8805-C7189D3CCDF2}" type="datetimeFigureOut">
               <a:rPr lang="zh-TW" altLang="en-US" smtClean="0"/>
               <a:pPr/>
-              <a:t>2021/6/24</a:t>
+              <a:t>2022/7/1</a:t>
             </a:fld>
             <a:endParaRPr lang="zh-TW" altLang="en-US"/>
           </a:p>
@@ -2252,7 +2252,7 @@
             <a:fld id="{4A963B18-8CE0-498D-8805-C7189D3CCDF2}" type="datetimeFigureOut">
               <a:rPr lang="zh-TW" altLang="en-US" smtClean="0"/>
               <a:pPr/>
-              <a:t>2021/6/24</a:t>
+              <a:t>2022/7/1</a:t>
             </a:fld>
             <a:endParaRPr lang="zh-TW" altLang="en-US"/>
           </a:p>
@@ -2506,7 +2506,7 @@
             <a:fld id="{4A963B18-8CE0-498D-8805-C7189D3CCDF2}" type="datetimeFigureOut">
               <a:rPr lang="zh-TW" altLang="en-US" smtClean="0"/>
               <a:pPr/>
-              <a:t>2021/6/24</a:t>
+              <a:t>2022/7/1</a:t>
             </a:fld>
             <a:endParaRPr lang="zh-TW" altLang="en-US"/>
           </a:p>
@@ -2721,7 +2721,7 @@
             <a:fld id="{4A963B18-8CE0-498D-8805-C7189D3CCDF2}" type="datetimeFigureOut">
               <a:rPr lang="zh-TW" altLang="en-US" smtClean="0"/>
               <a:pPr/>
-              <a:t>2021/6/24</a:t>
+              <a:t>2022/7/1</a:t>
             </a:fld>
             <a:endParaRPr lang="zh-TW" altLang="en-US"/>
           </a:p>
@@ -3196,24 +3196,7 @@
                 <a:latin typeface="微軟正黑體" pitchFamily="34" charset="-120"/>
                 <a:ea typeface="微軟正黑體" pitchFamily="34" charset="-120"/>
               </a:rPr>
-              <a:t>聖</a:t>
-            </a:r>
-            <a:r>
-              <a:rPr lang="zh-CN" altLang="en-US" sz="6000" b="1" dirty="0">
-                <a:solidFill>
-                  <a:srgbClr val="660033"/>
-                </a:solidFill>
-                <a:effectLst>
-                  <a:outerShdw blurRad="38100" dist="38100" dir="2700000" algn="tl">
-                    <a:srgbClr val="000000">
-                      <a:alpha val="43137"/>
-                    </a:srgbClr>
-                  </a:outerShdw>
-                </a:effectLst>
-                <a:latin typeface="微軟正黑體" pitchFamily="34" charset="-120"/>
-                <a:ea typeface="微軟正黑體" pitchFamily="34" charset="-120"/>
-              </a:rPr>
-              <a:t>哉三一</a:t>
+              <a:t>聖哉三一</a:t>
             </a:r>
             <a:endParaRPr lang="zh-TW" altLang="en-US" sz="6000" b="1" dirty="0">
               <a:solidFill>
@@ -3302,17 +3285,7 @@
                 <a:latin typeface="Microsoft JhengHei" pitchFamily="34" charset="-120"/>
                 <a:ea typeface="Microsoft JhengHei" pitchFamily="34" charset="-120"/>
               </a:rPr>
-              <a:t>聖</a:t>
-            </a:r>
-            <a:r>
-              <a:rPr lang="zh-TW" altLang="en-US" sz="4800" b="1" dirty="0">
-                <a:solidFill>
-                  <a:srgbClr val="660033"/>
-                </a:solidFill>
-                <a:latin typeface="Microsoft JhengHei" pitchFamily="34" charset="-120"/>
-                <a:ea typeface="Microsoft JhengHei" pitchFamily="34" charset="-120"/>
-              </a:rPr>
-              <a:t>哉聖哉聖哉  全能大主宰</a:t>
+              <a:t>聖哉聖哉聖哉  全能大主宰</a:t>
             </a:r>
           </a:p>
           <a:p>
@@ -3368,7 +3341,23 @@
                   <a:srgbClr val="660033"/>
                 </a:solidFill>
               </a:rPr>
-              <a:t>( 1 )</a:t>
+              <a:t>( </a:t>
+            </a:r>
+            <a:r>
+              <a:rPr lang="en-US" sz="3600" b="1" dirty="0" smtClean="0">
+                <a:solidFill>
+                  <a:srgbClr val="660033"/>
+                </a:solidFill>
+              </a:rPr>
+              <a:t>1 / 4 </a:t>
+            </a:r>
+            <a:r>
+              <a:rPr lang="en-US" sz="3600" b="1" dirty="0">
+                <a:solidFill>
+                  <a:srgbClr val="660033"/>
+                </a:solidFill>
+              </a:rPr>
+              <a:t>)</a:t>
             </a:r>
             <a:endParaRPr lang="vi-VN" sz="3600" b="1" dirty="0">
               <a:solidFill>
@@ -3524,7 +3513,7 @@
                   <a:srgbClr val="660033"/>
                 </a:solidFill>
               </a:rPr>
-              <a:t>( 1 )</a:t>
+              <a:t>( 1 / 4 )</a:t>
             </a:r>
             <a:endParaRPr lang="vi-VN" sz="3600" b="1" dirty="0">
               <a:solidFill>
@@ -3680,7 +3669,23 @@
                   <a:srgbClr val="660033"/>
                 </a:solidFill>
               </a:rPr>
-              <a:t>( 2 )</a:t>
+              <a:t>( </a:t>
+            </a:r>
+            <a:r>
+              <a:rPr lang="en-US" sz="3600" b="1" dirty="0" smtClean="0">
+                <a:solidFill>
+                  <a:srgbClr val="660033"/>
+                </a:solidFill>
+              </a:rPr>
+              <a:t>2 </a:t>
+            </a:r>
+            <a:r>
+              <a:rPr lang="en-US" sz="3600" b="1" dirty="0">
+                <a:solidFill>
+                  <a:srgbClr val="660033"/>
+                </a:solidFill>
+              </a:rPr>
+              <a:t>/ 4 )</a:t>
             </a:r>
             <a:endParaRPr lang="vi-VN" sz="3600" b="1" dirty="0">
               <a:solidFill>
@@ -3809,7 +3814,7 @@
                   <a:srgbClr val="660033"/>
                 </a:solidFill>
               </a:rPr>
-              <a:t>( 2 )</a:t>
+              <a:t>( 2 / 4 )</a:t>
             </a:r>
             <a:endParaRPr lang="vi-VN" sz="3600" b="1" dirty="0">
               <a:solidFill>
@@ -3945,7 +3950,23 @@
                   <a:srgbClr val="660033"/>
                 </a:solidFill>
               </a:rPr>
-              <a:t>( 3 )</a:t>
+              <a:t>( </a:t>
+            </a:r>
+            <a:r>
+              <a:rPr lang="en-US" sz="3600" b="1" dirty="0" smtClean="0">
+                <a:solidFill>
+                  <a:srgbClr val="660033"/>
+                </a:solidFill>
+              </a:rPr>
+              <a:t>3 </a:t>
+            </a:r>
+            <a:r>
+              <a:rPr lang="en-US" sz="3600" b="1" dirty="0">
+                <a:solidFill>
+                  <a:srgbClr val="660033"/>
+                </a:solidFill>
+              </a:rPr>
+              <a:t>/ 4 )</a:t>
             </a:r>
             <a:endParaRPr lang="vi-VN" sz="3600" b="1" dirty="0">
               <a:solidFill>
@@ -4101,7 +4122,7 @@
                   <a:srgbClr val="660033"/>
                 </a:solidFill>
               </a:rPr>
-              <a:t>( 3 )</a:t>
+              <a:t>( 3 / 4 )</a:t>
             </a:r>
             <a:endParaRPr lang="vi-VN" sz="3600" b="1" dirty="0">
               <a:solidFill>
@@ -4237,7 +4258,23 @@
                   <a:srgbClr val="660033"/>
                 </a:solidFill>
               </a:rPr>
-              <a:t>( 4 )</a:t>
+              <a:t>( </a:t>
+            </a:r>
+            <a:r>
+              <a:rPr lang="en-US" sz="3600" b="1" dirty="0" smtClean="0">
+                <a:solidFill>
+                  <a:srgbClr val="660033"/>
+                </a:solidFill>
+              </a:rPr>
+              <a:t>4 </a:t>
+            </a:r>
+            <a:r>
+              <a:rPr lang="en-US" sz="3600" b="1" dirty="0">
+                <a:solidFill>
+                  <a:srgbClr val="660033"/>
+                </a:solidFill>
+              </a:rPr>
+              <a:t>/ 4 )</a:t>
             </a:r>
             <a:endParaRPr lang="vi-VN" sz="3600" b="1" dirty="0">
               <a:solidFill>
@@ -4393,7 +4430,7 @@
                   <a:srgbClr val="660033"/>
                 </a:solidFill>
               </a:rPr>
-              <a:t>( 4 )</a:t>
+              <a:t>( 4 / 4 )</a:t>
             </a:r>
             <a:endParaRPr lang="vi-VN" sz="3600" b="1" dirty="0">
               <a:solidFill>

--- a/宣道詩/(宣道詩2)聖哉三一.pptx
+++ b/宣道詩/(宣道詩2)聖哉三一.pptx
@@ -313,7 +313,7 @@
             <a:fld id="{4A963B18-8CE0-498D-8805-C7189D3CCDF2}" type="datetimeFigureOut">
               <a:rPr lang="zh-TW" altLang="en-US" smtClean="0"/>
               <a:pPr/>
-              <a:t>2022/7/1</a:t>
+              <a:t>2023/6/24</a:t>
             </a:fld>
             <a:endParaRPr lang="zh-TW" altLang="en-US"/>
           </a:p>
@@ -480,7 +480,7 @@
             <a:fld id="{4A963B18-8CE0-498D-8805-C7189D3CCDF2}" type="datetimeFigureOut">
               <a:rPr lang="zh-TW" altLang="en-US" smtClean="0"/>
               <a:pPr/>
-              <a:t>2022/7/1</a:t>
+              <a:t>2023/6/24</a:t>
             </a:fld>
             <a:endParaRPr lang="zh-TW" altLang="en-US"/>
           </a:p>
@@ -657,7 +657,7 @@
             <a:fld id="{4A963B18-8CE0-498D-8805-C7189D3CCDF2}" type="datetimeFigureOut">
               <a:rPr lang="zh-TW" altLang="en-US" smtClean="0"/>
               <a:pPr/>
-              <a:t>2022/7/1</a:t>
+              <a:t>2023/6/24</a:t>
             </a:fld>
             <a:endParaRPr lang="zh-TW" altLang="en-US"/>
           </a:p>
@@ -824,7 +824,7 @@
             <a:fld id="{4A963B18-8CE0-498D-8805-C7189D3CCDF2}" type="datetimeFigureOut">
               <a:rPr lang="zh-TW" altLang="en-US" smtClean="0"/>
               <a:pPr/>
-              <a:t>2022/7/1</a:t>
+              <a:t>2023/6/24</a:t>
             </a:fld>
             <a:endParaRPr lang="zh-TW" altLang="en-US"/>
           </a:p>
@@ -1067,7 +1067,7 @@
             <a:fld id="{4A963B18-8CE0-498D-8805-C7189D3CCDF2}" type="datetimeFigureOut">
               <a:rPr lang="zh-TW" altLang="en-US" smtClean="0"/>
               <a:pPr/>
-              <a:t>2022/7/1</a:t>
+              <a:t>2023/6/24</a:t>
             </a:fld>
             <a:endParaRPr lang="zh-TW" altLang="en-US"/>
           </a:p>
@@ -1352,7 +1352,7 @@
             <a:fld id="{4A963B18-8CE0-498D-8805-C7189D3CCDF2}" type="datetimeFigureOut">
               <a:rPr lang="zh-TW" altLang="en-US" smtClean="0"/>
               <a:pPr/>
-              <a:t>2022/7/1</a:t>
+              <a:t>2023/6/24</a:t>
             </a:fld>
             <a:endParaRPr lang="zh-TW" altLang="en-US"/>
           </a:p>
@@ -1771,7 +1771,7 @@
             <a:fld id="{4A963B18-8CE0-498D-8805-C7189D3CCDF2}" type="datetimeFigureOut">
               <a:rPr lang="zh-TW" altLang="en-US" smtClean="0"/>
               <a:pPr/>
-              <a:t>2022/7/1</a:t>
+              <a:t>2023/6/24</a:t>
             </a:fld>
             <a:endParaRPr lang="zh-TW" altLang="en-US"/>
           </a:p>
@@ -1886,7 +1886,7 @@
             <a:fld id="{4A963B18-8CE0-498D-8805-C7189D3CCDF2}" type="datetimeFigureOut">
               <a:rPr lang="zh-TW" altLang="en-US" smtClean="0"/>
               <a:pPr/>
-              <a:t>2022/7/1</a:t>
+              <a:t>2023/6/24</a:t>
             </a:fld>
             <a:endParaRPr lang="zh-TW" altLang="en-US"/>
           </a:p>
@@ -1978,7 +1978,7 @@
             <a:fld id="{4A963B18-8CE0-498D-8805-C7189D3CCDF2}" type="datetimeFigureOut">
               <a:rPr lang="zh-TW" altLang="en-US" smtClean="0"/>
               <a:pPr/>
-              <a:t>2022/7/1</a:t>
+              <a:t>2023/6/24</a:t>
             </a:fld>
             <a:endParaRPr lang="zh-TW" altLang="en-US"/>
           </a:p>
@@ -2252,7 +2252,7 @@
             <a:fld id="{4A963B18-8CE0-498D-8805-C7189D3CCDF2}" type="datetimeFigureOut">
               <a:rPr lang="zh-TW" altLang="en-US" smtClean="0"/>
               <a:pPr/>
-              <a:t>2022/7/1</a:t>
+              <a:t>2023/6/24</a:t>
             </a:fld>
             <a:endParaRPr lang="zh-TW" altLang="en-US"/>
           </a:p>
@@ -2506,7 +2506,7 @@
             <a:fld id="{4A963B18-8CE0-498D-8805-C7189D3CCDF2}" type="datetimeFigureOut">
               <a:rPr lang="zh-TW" altLang="en-US" smtClean="0"/>
               <a:pPr/>
-              <a:t>2022/7/1</a:t>
+              <a:t>2023/6/24</a:t>
             </a:fld>
             <a:endParaRPr lang="zh-TW" altLang="en-US"/>
           </a:p>
@@ -2721,7 +2721,7 @@
             <a:fld id="{4A963B18-8CE0-498D-8805-C7189D3CCDF2}" type="datetimeFigureOut">
               <a:rPr lang="zh-TW" altLang="en-US" smtClean="0"/>
               <a:pPr/>
-              <a:t>2022/7/1</a:t>
+              <a:t>2023/6/24</a:t>
             </a:fld>
             <a:endParaRPr lang="zh-TW" altLang="en-US"/>
           </a:p>
@@ -3321,7 +3321,7 @@
         <p:spPr>
           <a:xfrm>
             <a:off x="0" y="3795887"/>
-            <a:ext cx="9144000" cy="646331"/>
+            <a:ext cx="9144000" cy="523220"/>
           </a:xfrm>
           <a:prstGeom prst="rect">
             <a:avLst/>
@@ -3336,7 +3336,7 @@
           <a:p>
             <a:pPr algn="ctr"/>
             <a:r>
-              <a:rPr lang="en-US" sz="3600" b="1" dirty="0">
+              <a:rPr lang="en-US" sz="2800" b="1" dirty="0">
                 <a:solidFill>
                   <a:srgbClr val="660033"/>
                 </a:solidFill>
@@ -3344,7 +3344,7 @@
               <a:t>( </a:t>
             </a:r>
             <a:r>
-              <a:rPr lang="en-US" sz="3600" b="1" dirty="0" smtClean="0">
+              <a:rPr lang="en-US" sz="2800" b="1" dirty="0" smtClean="0">
                 <a:solidFill>
                   <a:srgbClr val="660033"/>
                 </a:solidFill>
@@ -3352,14 +3352,14 @@
               <a:t>1 / 4 </a:t>
             </a:r>
             <a:r>
-              <a:rPr lang="en-US" sz="3600" b="1" dirty="0">
+              <a:rPr lang="en-US" sz="2800" b="1" dirty="0">
                 <a:solidFill>
                   <a:srgbClr val="660033"/>
                 </a:solidFill>
               </a:rPr>
               <a:t>)</a:t>
             </a:r>
-            <a:endParaRPr lang="vi-VN" sz="3600" b="1" dirty="0">
+            <a:endParaRPr lang="vi-VN" sz="2800" b="1" dirty="0">
               <a:solidFill>
                 <a:srgbClr val="660033"/>
               </a:solidFill>
@@ -3493,7 +3493,7 @@
         <p:spPr>
           <a:xfrm>
             <a:off x="0" y="3795887"/>
-            <a:ext cx="9144000" cy="646331"/>
+            <a:ext cx="9144000" cy="523220"/>
           </a:xfrm>
           <a:prstGeom prst="rect">
             <a:avLst/>
@@ -3508,14 +3508,14 @@
           <a:p>
             <a:pPr algn="ctr"/>
             <a:r>
-              <a:rPr lang="en-US" sz="3600" b="1" dirty="0">
+              <a:rPr lang="en-US" sz="2800" b="1" dirty="0">
                 <a:solidFill>
                   <a:srgbClr val="660033"/>
                 </a:solidFill>
               </a:rPr>
               <a:t>( 1 / 4 )</a:t>
             </a:r>
-            <a:endParaRPr lang="vi-VN" sz="3600" b="1" dirty="0">
+            <a:endParaRPr lang="vi-VN" sz="2800" b="1" dirty="0">
               <a:solidFill>
                 <a:srgbClr val="660033"/>
               </a:solidFill>
@@ -3649,7 +3649,7 @@
         <p:spPr>
           <a:xfrm>
             <a:off x="0" y="3795887"/>
-            <a:ext cx="9144000" cy="646331"/>
+            <a:ext cx="9144000" cy="523220"/>
           </a:xfrm>
           <a:prstGeom prst="rect">
             <a:avLst/>
@@ -3664,7 +3664,7 @@
           <a:p>
             <a:pPr algn="ctr"/>
             <a:r>
-              <a:rPr lang="en-US" sz="3600" b="1" dirty="0">
+              <a:rPr lang="en-US" sz="2800" b="1" dirty="0">
                 <a:solidFill>
                   <a:srgbClr val="660033"/>
                 </a:solidFill>
@@ -3672,7 +3672,7 @@
               <a:t>( </a:t>
             </a:r>
             <a:r>
-              <a:rPr lang="en-US" sz="3600" b="1" dirty="0" smtClean="0">
+              <a:rPr lang="en-US" sz="2800" b="1" dirty="0">
                 <a:solidFill>
                   <a:srgbClr val="660033"/>
                 </a:solidFill>
@@ -3680,14 +3680,14 @@
               <a:t>2 </a:t>
             </a:r>
             <a:r>
-              <a:rPr lang="en-US" sz="3600" b="1" dirty="0">
+              <a:rPr lang="en-US" sz="2800" b="1" dirty="0">
                 <a:solidFill>
                   <a:srgbClr val="660033"/>
                 </a:solidFill>
               </a:rPr>
               <a:t>/ 4 )</a:t>
             </a:r>
-            <a:endParaRPr lang="vi-VN" sz="3600" b="1" dirty="0">
+            <a:endParaRPr lang="vi-VN" sz="2800" b="1" dirty="0">
               <a:solidFill>
                 <a:srgbClr val="660033"/>
               </a:solidFill>
@@ -3794,7 +3794,7 @@
         <p:spPr>
           <a:xfrm>
             <a:off x="0" y="3795887"/>
-            <a:ext cx="9144000" cy="646331"/>
+            <a:ext cx="9144000" cy="523220"/>
           </a:xfrm>
           <a:prstGeom prst="rect">
             <a:avLst/>
@@ -3809,14 +3809,14 @@
           <a:p>
             <a:pPr algn="ctr"/>
             <a:r>
-              <a:rPr lang="en-US" sz="3600" b="1" dirty="0">
+              <a:rPr lang="en-US" sz="2800" b="1" dirty="0">
                 <a:solidFill>
                   <a:srgbClr val="660033"/>
                 </a:solidFill>
               </a:rPr>
               <a:t>( 2 / 4 )</a:t>
             </a:r>
-            <a:endParaRPr lang="vi-VN" sz="3600" b="1" dirty="0">
+            <a:endParaRPr lang="vi-VN" sz="2800" b="1" dirty="0">
               <a:solidFill>
                 <a:srgbClr val="660033"/>
               </a:solidFill>
@@ -3930,7 +3930,7 @@
         <p:spPr>
           <a:xfrm>
             <a:off x="0" y="3795887"/>
-            <a:ext cx="9144000" cy="646331"/>
+            <a:ext cx="9144000" cy="523220"/>
           </a:xfrm>
           <a:prstGeom prst="rect">
             <a:avLst/>
@@ -3945,7 +3945,7 @@
           <a:p>
             <a:pPr algn="ctr"/>
             <a:r>
-              <a:rPr lang="en-US" sz="3600" b="1" dirty="0">
+              <a:rPr lang="en-US" sz="2800" b="1" dirty="0">
                 <a:solidFill>
                   <a:srgbClr val="660033"/>
                 </a:solidFill>
@@ -3953,7 +3953,7 @@
               <a:t>( </a:t>
             </a:r>
             <a:r>
-              <a:rPr lang="en-US" sz="3600" b="1" dirty="0" smtClean="0">
+              <a:rPr lang="en-US" sz="2800" b="1" dirty="0">
                 <a:solidFill>
                   <a:srgbClr val="660033"/>
                 </a:solidFill>
@@ -3961,14 +3961,14 @@
               <a:t>3 </a:t>
             </a:r>
             <a:r>
-              <a:rPr lang="en-US" sz="3600" b="1" dirty="0">
+              <a:rPr lang="en-US" sz="2800" b="1" dirty="0">
                 <a:solidFill>
                   <a:srgbClr val="660033"/>
                 </a:solidFill>
               </a:rPr>
               <a:t>/ 4 )</a:t>
             </a:r>
-            <a:endParaRPr lang="vi-VN" sz="3600" b="1" dirty="0">
+            <a:endParaRPr lang="vi-VN" sz="2800" b="1" dirty="0">
               <a:solidFill>
                 <a:srgbClr val="660033"/>
               </a:solidFill>
@@ -4102,7 +4102,7 @@
         <p:spPr>
           <a:xfrm>
             <a:off x="0" y="3795887"/>
-            <a:ext cx="9144000" cy="646331"/>
+            <a:ext cx="9144000" cy="523220"/>
           </a:xfrm>
           <a:prstGeom prst="rect">
             <a:avLst/>
@@ -4117,14 +4117,14 @@
           <a:p>
             <a:pPr algn="ctr"/>
             <a:r>
-              <a:rPr lang="en-US" sz="3600" b="1" dirty="0">
+              <a:rPr lang="en-US" sz="2800" b="1" dirty="0">
                 <a:solidFill>
                   <a:srgbClr val="660033"/>
                 </a:solidFill>
               </a:rPr>
               <a:t>( 3 / 4 )</a:t>
             </a:r>
-            <a:endParaRPr lang="vi-VN" sz="3600" b="1" dirty="0">
+            <a:endParaRPr lang="vi-VN" sz="2800" b="1" dirty="0">
               <a:solidFill>
                 <a:srgbClr val="660033"/>
               </a:solidFill>
@@ -4238,7 +4238,7 @@
         <p:spPr>
           <a:xfrm>
             <a:off x="0" y="3795887"/>
-            <a:ext cx="9144000" cy="646331"/>
+            <a:ext cx="9144000" cy="523220"/>
           </a:xfrm>
           <a:prstGeom prst="rect">
             <a:avLst/>
@@ -4253,7 +4253,7 @@
           <a:p>
             <a:pPr algn="ctr"/>
             <a:r>
-              <a:rPr lang="en-US" sz="3600" b="1" dirty="0">
+              <a:rPr lang="en-US" sz="2800" b="1" dirty="0">
                 <a:solidFill>
                   <a:srgbClr val="660033"/>
                 </a:solidFill>
@@ -4261,7 +4261,7 @@
               <a:t>( </a:t>
             </a:r>
             <a:r>
-              <a:rPr lang="en-US" sz="3600" b="1" dirty="0" smtClean="0">
+              <a:rPr lang="en-US" sz="2800" b="1" dirty="0">
                 <a:solidFill>
                   <a:srgbClr val="660033"/>
                 </a:solidFill>
@@ -4269,14 +4269,14 @@
               <a:t>4 </a:t>
             </a:r>
             <a:r>
-              <a:rPr lang="en-US" sz="3600" b="1" dirty="0">
+              <a:rPr lang="en-US" sz="2800" b="1" dirty="0">
                 <a:solidFill>
                   <a:srgbClr val="660033"/>
                 </a:solidFill>
               </a:rPr>
               <a:t>/ 4 )</a:t>
             </a:r>
-            <a:endParaRPr lang="vi-VN" sz="3600" b="1" dirty="0">
+            <a:endParaRPr lang="vi-VN" sz="2800" b="1" dirty="0">
               <a:solidFill>
                 <a:srgbClr val="660033"/>
               </a:solidFill>
@@ -4410,7 +4410,7 @@
         <p:spPr>
           <a:xfrm>
             <a:off x="0" y="3795887"/>
-            <a:ext cx="9144000" cy="646331"/>
+            <a:ext cx="9144000" cy="523220"/>
           </a:xfrm>
           <a:prstGeom prst="rect">
             <a:avLst/>
@@ -4425,14 +4425,14 @@
           <a:p>
             <a:pPr algn="ctr"/>
             <a:r>
-              <a:rPr lang="en-US" sz="3600" b="1" dirty="0">
+              <a:rPr lang="en-US" sz="2800" b="1" dirty="0">
                 <a:solidFill>
                   <a:srgbClr val="660033"/>
                 </a:solidFill>
               </a:rPr>
               <a:t>( 4 / 4 )</a:t>
             </a:r>
-            <a:endParaRPr lang="vi-VN" sz="3600" b="1" dirty="0">
+            <a:endParaRPr lang="vi-VN" sz="2800" b="1" dirty="0">
               <a:solidFill>
                 <a:srgbClr val="660033"/>
               </a:solidFill>
